--- a/Chip_controller.pptx
+++ b/Chip_controller.pptx
@@ -4675,6 +4675,93 @@
 </p:notes>
 </file>
 
+<file path=ppt/notesSlides/notesSlide14.xml><?xml version="1.0" encoding="utf-8"?>
+<p:notes xmlns:a="http://schemas.openxmlformats.org/drawingml/2006/main" xmlns:r="http://schemas.openxmlformats.org/officeDocument/2006/relationships" xmlns:p="http://schemas.openxmlformats.org/presentationml/2006/main">
+  <p:cSld>
+    <p:spTree>
+      <p:nvGrpSpPr>
+        <p:cNvPr id="1" name=""/>
+        <p:cNvGrpSpPr/>
+        <p:nvPr/>
+      </p:nvGrpSpPr>
+      <p:grpSpPr>
+        <a:xfrm>
+          <a:off x="0" y="0"/>
+          <a:ext cx="0" cy="0"/>
+          <a:chOff x="0" y="0"/>
+          <a:chExt cx="0" cy="0"/>
+        </a:xfrm>
+      </p:grpSpPr>
+      <p:sp>
+        <p:nvSpPr>
+          <p:cNvPr id="2" name="Symbol zastępczy obrazu slajdu 1"/>
+          <p:cNvSpPr>
+            <a:spLocks noGrp="1" noRot="1" noChangeAspect="1"/>
+          </p:cNvSpPr>
+          <p:nvPr>
+            <p:ph type="sldImg"/>
+          </p:nvPr>
+        </p:nvSpPr>
+        <p:spPr/>
+      </p:sp>
+      <p:sp>
+        <p:nvSpPr>
+          <p:cNvPr id="3" name="Symbol zastępczy notatek 2"/>
+          <p:cNvSpPr>
+            <a:spLocks noGrp="1"/>
+          </p:cNvSpPr>
+          <p:nvPr>
+            <p:ph type="body" idx="1"/>
+          </p:nvPr>
+        </p:nvSpPr>
+        <p:spPr/>
+        <p:txBody>
+          <a:bodyPr/>
+          <a:lstStyle/>
+          <a:p>
+            <a:r>
+              <a:rPr lang="pl-PL" dirty="0"/>
+              <a:t>https://github.com/StanislawMaciejewski/Chip_controller/tree/two_dim_array</a:t>
+            </a:r>
+          </a:p>
+        </p:txBody>
+      </p:sp>
+      <p:sp>
+        <p:nvSpPr>
+          <p:cNvPr id="4" name="Symbol zastępczy numeru slajdu 3"/>
+          <p:cNvSpPr>
+            <a:spLocks noGrp="1"/>
+          </p:cNvSpPr>
+          <p:nvPr>
+            <p:ph type="sldNum" sz="quarter" idx="5"/>
+          </p:nvPr>
+        </p:nvSpPr>
+        <p:spPr/>
+        <p:txBody>
+          <a:bodyPr/>
+          <a:lstStyle/>
+          <a:p>
+            <a:fld id="{2EC54D3C-C69F-4E6C-ABD7-CF0A850BB02E}" type="slidenum">
+              <a:rPr lang="pl-PL" smtClean="0"/>
+              <a:t>23</a:t>
+            </a:fld>
+            <a:endParaRPr lang="pl-PL"/>
+          </a:p>
+        </p:txBody>
+      </p:sp>
+    </p:spTree>
+    <p:extLst>
+      <p:ext uri="{BB962C8B-B14F-4D97-AF65-F5344CB8AC3E}">
+        <p14:creationId xmlns:p14="http://schemas.microsoft.com/office/powerpoint/2010/main" val="2040895525"/>
+      </p:ext>
+    </p:extLst>
+  </p:cSld>
+  <p:clrMapOvr>
+    <a:masterClrMapping/>
+  </p:clrMapOvr>
+</p:notes>
+</file>
+
 <file path=ppt/notesSlides/notesSlide2.xml><?xml version="1.0" encoding="utf-8"?>
 <p:notes xmlns:a="http://schemas.openxmlformats.org/drawingml/2006/main" xmlns:r="http://schemas.openxmlformats.org/officeDocument/2006/relationships" xmlns:p="http://schemas.openxmlformats.org/presentationml/2006/main">
   <p:cSld>
@@ -13414,14 +13501,14 @@
           </p:nvPr>
         </p:nvPicPr>
         <p:blipFill>
-          <a:blip r:embed="rId2"/>
+          <a:blip r:embed="rId3"/>
           <a:stretch>
             <a:fillRect/>
           </a:stretch>
         </p:blipFill>
         <p:spPr>
           <a:xfrm>
-            <a:off x="-11243" y="1678091"/>
+            <a:off x="-11243" y="437120"/>
             <a:ext cx="12203243" cy="2991880"/>
           </a:xfrm>
         </p:spPr>
@@ -16083,15 +16170,6 @@
 </file>
 
 <file path=customXml/item1.xml><?xml version="1.0" encoding="utf-8"?>
-<?mso-contentType ?>
-<FormTemplates xmlns="http://schemas.microsoft.com/sharepoint/v3/contenttype/forms">
-  <Display>DocumentLibraryForm</Display>
-  <Edit>DocumentLibraryForm</Edit>
-  <New>DocumentLibraryForm</New>
-</FormTemplates>
-</file>
-
-<file path=customXml/item2.xml><?xml version="1.0" encoding="utf-8"?>
 <ct:contentTypeSchema xmlns:ct="http://schemas.microsoft.com/office/2006/metadata/contentType" xmlns:ma="http://schemas.microsoft.com/office/2006/metadata/properties/metaAttributes" ct:_="" ma:_="" ma:contentTypeName="Dokument" ma:contentTypeID="0x010100769EEAFFF8050846B8921DC5A70925A7" ma:contentTypeVersion="3" ma:contentTypeDescription="Utwórz nowy dokument." ma:contentTypeScope="" ma:versionID="1f4082ff9506847b40a5a59f069eab22">
   <xsd:schema xmlns:xsd="http://www.w3.org/2001/XMLSchema" xmlns:xs="http://www.w3.org/2001/XMLSchema" xmlns:p="http://schemas.microsoft.com/office/2006/metadata/properties" xmlns:ns2="8f53f1b7-a1b3-4c57-bf3a-36b8131d8963" targetNamespace="http://schemas.microsoft.com/office/2006/metadata/properties" ma:root="true" ma:fieldsID="d189dd818bdf0938f0b5cbdf1b3b47c0" ns2:_="">
     <xsd:import namespace="8f53f1b7-a1b3-4c57-bf3a-36b8131d8963"/>
@@ -16229,6 +16307,15 @@
 </ct:contentTypeSchema>
 </file>
 
+<file path=customXml/item2.xml><?xml version="1.0" encoding="utf-8"?>
+<?mso-contentType ?>
+<FormTemplates xmlns="http://schemas.microsoft.com/sharepoint/v3/contenttype/forms">
+  <Display>DocumentLibraryForm</Display>
+  <Edit>DocumentLibraryForm</Edit>
+  <New>DocumentLibraryForm</New>
+</FormTemplates>
+</file>
+
 <file path=customXml/item3.xml><?xml version="1.0" encoding="utf-8"?>
 <p:properties xmlns:p="http://schemas.microsoft.com/office/2006/metadata/properties" xmlns:xsi="http://www.w3.org/2001/XMLSchema-instance" xmlns:pc="http://schemas.microsoft.com/office/infopath/2007/PartnerControls">
   <documentManagement/>
@@ -16236,14 +16323,6 @@
 </file>
 
 <file path=customXml/itemProps1.xml><?xml version="1.0" encoding="utf-8"?>
-<ds:datastoreItem xmlns:ds="http://schemas.openxmlformats.org/officeDocument/2006/customXml" ds:itemID="{012BA5D1-44B4-4C9F-A672-67DCBBFEC434}">
-  <ds:schemaRefs>
-    <ds:schemaRef ds:uri="http://schemas.microsoft.com/sharepoint/v3/contenttype/forms"/>
-  </ds:schemaRefs>
-</ds:datastoreItem>
-</file>
-
-<file path=customXml/itemProps2.xml><?xml version="1.0" encoding="utf-8"?>
 <ds:datastoreItem xmlns:ds="http://schemas.openxmlformats.org/officeDocument/2006/customXml" ds:itemID="{A74586BE-E8EA-47E3-AF58-58324FF0C251}">
   <ds:schemaRefs>
     <ds:schemaRef ds:uri="http://schemas.microsoft.com/office/2006/metadata/contentType"/>
@@ -16257,6 +16336,14 @@
     <ds:schemaRef ds:uri="http://purl.org/dc/elements/1.1/"/>
     <ds:schemaRef ds:uri="http://purl.org/dc/terms/"/>
     <ds:schemaRef ds:uri="http://schemas.microsoft.com/internal/obd"/>
+  </ds:schemaRefs>
+</ds:datastoreItem>
+</file>
+
+<file path=customXml/itemProps2.xml><?xml version="1.0" encoding="utf-8"?>
+<ds:datastoreItem xmlns:ds="http://schemas.openxmlformats.org/officeDocument/2006/customXml" ds:itemID="{012BA5D1-44B4-4C9F-A672-67DCBBFEC434}">
+  <ds:schemaRefs>
+    <ds:schemaRef ds:uri="http://schemas.microsoft.com/sharepoint/v3/contenttype/forms"/>
   </ds:schemaRefs>
 </ds:datastoreItem>
 </file>

--- a/Chip_controller.pptx
+++ b/Chip_controller.pptx
@@ -5,7 +5,7 @@
     <p:sldMasterId id="2147483648" r:id="rId4"/>
   </p:sldMasterIdLst>
   <p:notesMasterIdLst>
-    <p:notesMasterId r:id="rId28"/>
+    <p:notesMasterId r:id="rId30"/>
   </p:notesMasterIdLst>
   <p:sldIdLst>
     <p:sldId id="256" r:id="rId5"/>
@@ -31,6 +31,8 @@
     <p:sldId id="277" r:id="rId25"/>
     <p:sldId id="278" r:id="rId26"/>
     <p:sldId id="279" r:id="rId27"/>
+    <p:sldId id="280" r:id="rId28"/>
+    <p:sldId id="281" r:id="rId29"/>
   </p:sldIdLst>
   <p:sldSz cx="12192000" cy="6858000"/>
   <p:notesSz cx="6858000" cy="9144000"/>
@@ -3954,7 +3956,7 @@
           <a:p>
             <a:fld id="{501247CE-AEBE-4E28-B18F-884610CB35E9}" type="datetimeFigureOut">
               <a:rPr lang="pl-PL" smtClean="0"/>
-              <a:t>2023-10-29</a:t>
+              <a:t>2023-11-02</a:t>
             </a:fld>
             <a:endParaRPr lang="pl-PL"/>
           </a:p>
@@ -6142,7 +6144,7 @@
           <a:p>
             <a:fld id="{06177C7D-6CA5-4192-8F8D-E84608DE3E48}" type="datetimeFigureOut">
               <a:rPr lang="pl-PL" smtClean="0"/>
-              <a:t>2023-10-29</a:t>
+              <a:t>2023-11-02</a:t>
             </a:fld>
             <a:endParaRPr lang="pl-PL"/>
           </a:p>
@@ -6340,7 +6342,7 @@
           <a:p>
             <a:fld id="{06177C7D-6CA5-4192-8F8D-E84608DE3E48}" type="datetimeFigureOut">
               <a:rPr lang="pl-PL" smtClean="0"/>
-              <a:t>2023-10-29</a:t>
+              <a:t>2023-11-02</a:t>
             </a:fld>
             <a:endParaRPr lang="pl-PL"/>
           </a:p>
@@ -6548,7 +6550,7 @@
           <a:p>
             <a:fld id="{06177C7D-6CA5-4192-8F8D-E84608DE3E48}" type="datetimeFigureOut">
               <a:rPr lang="pl-PL" smtClean="0"/>
-              <a:t>2023-10-29</a:t>
+              <a:t>2023-11-02</a:t>
             </a:fld>
             <a:endParaRPr lang="pl-PL"/>
           </a:p>
@@ -6746,7 +6748,7 @@
           <a:p>
             <a:fld id="{06177C7D-6CA5-4192-8F8D-E84608DE3E48}" type="datetimeFigureOut">
               <a:rPr lang="pl-PL" smtClean="0"/>
-              <a:t>2023-10-29</a:t>
+              <a:t>2023-11-02</a:t>
             </a:fld>
             <a:endParaRPr lang="pl-PL"/>
           </a:p>
@@ -7021,7 +7023,7 @@
           <a:p>
             <a:fld id="{06177C7D-6CA5-4192-8F8D-E84608DE3E48}" type="datetimeFigureOut">
               <a:rPr lang="pl-PL" smtClean="0"/>
-              <a:t>2023-10-29</a:t>
+              <a:t>2023-11-02</a:t>
             </a:fld>
             <a:endParaRPr lang="pl-PL"/>
           </a:p>
@@ -7286,7 +7288,7 @@
           <a:p>
             <a:fld id="{06177C7D-6CA5-4192-8F8D-E84608DE3E48}" type="datetimeFigureOut">
               <a:rPr lang="pl-PL" smtClean="0"/>
-              <a:t>2023-10-29</a:t>
+              <a:t>2023-11-02</a:t>
             </a:fld>
             <a:endParaRPr lang="pl-PL"/>
           </a:p>
@@ -7698,7 +7700,7 @@
           <a:p>
             <a:fld id="{06177C7D-6CA5-4192-8F8D-E84608DE3E48}" type="datetimeFigureOut">
               <a:rPr lang="pl-PL" smtClean="0"/>
-              <a:t>2023-10-29</a:t>
+              <a:t>2023-11-02</a:t>
             </a:fld>
             <a:endParaRPr lang="pl-PL"/>
           </a:p>
@@ -7839,7 +7841,7 @@
           <a:p>
             <a:fld id="{06177C7D-6CA5-4192-8F8D-E84608DE3E48}" type="datetimeFigureOut">
               <a:rPr lang="pl-PL" smtClean="0"/>
-              <a:t>2023-10-29</a:t>
+              <a:t>2023-11-02</a:t>
             </a:fld>
             <a:endParaRPr lang="pl-PL"/>
           </a:p>
@@ -7952,7 +7954,7 @@
           <a:p>
             <a:fld id="{06177C7D-6CA5-4192-8F8D-E84608DE3E48}" type="datetimeFigureOut">
               <a:rPr lang="pl-PL" smtClean="0"/>
-              <a:t>2023-10-29</a:t>
+              <a:t>2023-11-02</a:t>
             </a:fld>
             <a:endParaRPr lang="pl-PL"/>
           </a:p>
@@ -8263,7 +8265,7 @@
           <a:p>
             <a:fld id="{06177C7D-6CA5-4192-8F8D-E84608DE3E48}" type="datetimeFigureOut">
               <a:rPr lang="pl-PL" smtClean="0"/>
-              <a:t>2023-10-29</a:t>
+              <a:t>2023-11-02</a:t>
             </a:fld>
             <a:endParaRPr lang="pl-PL"/>
           </a:p>
@@ -8551,7 +8553,7 @@
           <a:p>
             <a:fld id="{06177C7D-6CA5-4192-8F8D-E84608DE3E48}" type="datetimeFigureOut">
               <a:rPr lang="pl-PL" smtClean="0"/>
-              <a:t>2023-10-29</a:t>
+              <a:t>2023-11-02</a:t>
             </a:fld>
             <a:endParaRPr lang="pl-PL"/>
           </a:p>
@@ -8792,7 +8794,7 @@
           <a:p>
             <a:fld id="{06177C7D-6CA5-4192-8F8D-E84608DE3E48}" type="datetimeFigureOut">
               <a:rPr lang="pl-PL" smtClean="0"/>
-              <a:t>2023-10-29</a:t>
+              <a:t>2023-11-02</a:t>
             </a:fld>
             <a:endParaRPr lang="pl-PL"/>
           </a:p>
@@ -13517,6 +13519,318 @@
     <p:extLst>
       <p:ext uri="{BB962C8B-B14F-4D97-AF65-F5344CB8AC3E}">
         <p14:creationId xmlns:p14="http://schemas.microsoft.com/office/powerpoint/2010/main" val="1773146385"/>
+      </p:ext>
+    </p:extLst>
+  </p:cSld>
+  <p:clrMapOvr>
+    <a:masterClrMapping/>
+  </p:clrMapOvr>
+</p:sld>
+</file>
+
+<file path=ppt/slides/slide24.xml><?xml version="1.0" encoding="utf-8"?>
+<p:sld xmlns:a="http://schemas.openxmlformats.org/drawingml/2006/main" xmlns:r="http://schemas.openxmlformats.org/officeDocument/2006/relationships" xmlns:p="http://schemas.openxmlformats.org/presentationml/2006/main">
+  <p:cSld>
+    <p:spTree>
+      <p:nvGrpSpPr>
+        <p:cNvPr id="1" name=""/>
+        <p:cNvGrpSpPr/>
+        <p:nvPr/>
+      </p:nvGrpSpPr>
+      <p:grpSpPr>
+        <a:xfrm>
+          <a:off x="0" y="0"/>
+          <a:ext cx="0" cy="0"/>
+          <a:chOff x="0" y="0"/>
+          <a:chExt cx="0" cy="0"/>
+        </a:xfrm>
+      </p:grpSpPr>
+      <p:pic>
+        <p:nvPicPr>
+          <p:cNvPr id="4" name="Symbol zastępczy zawartości 4">
+            <a:extLst>
+              <a:ext uri="{FF2B5EF4-FFF2-40B4-BE49-F238E27FC236}">
+                <a16:creationId xmlns:a16="http://schemas.microsoft.com/office/drawing/2014/main" id="{34A02234-27EC-BB20-D1FF-02F99B30CFB2}"/>
+              </a:ext>
+            </a:extLst>
+          </p:cNvPr>
+          <p:cNvPicPr>
+            <a:picLocks noGrp="1" noChangeAspect="1"/>
+          </p:cNvPicPr>
+          <p:nvPr>
+            <p:ph idx="1"/>
+          </p:nvPr>
+        </p:nvPicPr>
+        <p:blipFill>
+          <a:blip r:embed="rId2"/>
+          <a:stretch>
+            <a:fillRect/>
+          </a:stretch>
+        </p:blipFill>
+        <p:spPr>
+          <a:xfrm>
+            <a:off x="208832" y="1790596"/>
+            <a:ext cx="4832355" cy="3276807"/>
+          </a:xfrm>
+        </p:spPr>
+      </p:pic>
+      <p:cxnSp>
+        <p:nvCxnSpPr>
+          <p:cNvPr id="6" name="Łącznik prosty ze strzałką 5">
+            <a:extLst>
+              <a:ext uri="{FF2B5EF4-FFF2-40B4-BE49-F238E27FC236}">
+                <a16:creationId xmlns:a16="http://schemas.microsoft.com/office/drawing/2014/main" id="{6A7EB532-A9E4-DECC-A9D0-82616E201326}"/>
+              </a:ext>
+            </a:extLst>
+          </p:cNvPr>
+          <p:cNvCxnSpPr/>
+          <p:nvPr/>
+        </p:nvCxnSpPr>
+        <p:spPr>
+          <a:xfrm>
+            <a:off x="4729941" y="3518216"/>
+            <a:ext cx="1753986" cy="0"/>
+          </a:xfrm>
+          <a:prstGeom prst="straightConnector1">
+            <a:avLst/>
+          </a:prstGeom>
+          <a:ln>
+            <a:tailEnd type="triangle"/>
+          </a:ln>
+        </p:spPr>
+        <p:style>
+          <a:lnRef idx="1">
+            <a:schemeClr val="accent1"/>
+          </a:lnRef>
+          <a:fillRef idx="0">
+            <a:schemeClr val="accent1"/>
+          </a:fillRef>
+          <a:effectRef idx="0">
+            <a:schemeClr val="accent1"/>
+          </a:effectRef>
+          <a:fontRef idx="minor">
+            <a:schemeClr val="tx1"/>
+          </a:fontRef>
+        </p:style>
+      </p:cxnSp>
+      <p:pic>
+        <p:nvPicPr>
+          <p:cNvPr id="8" name="Obraz 7">
+            <a:extLst>
+              <a:ext uri="{FF2B5EF4-FFF2-40B4-BE49-F238E27FC236}">
+                <a16:creationId xmlns:a16="http://schemas.microsoft.com/office/drawing/2014/main" id="{E006136A-9FE7-0F3A-478D-124CADA94E39}"/>
+              </a:ext>
+            </a:extLst>
+          </p:cNvPr>
+          <p:cNvPicPr>
+            <a:picLocks noChangeAspect="1"/>
+          </p:cNvPicPr>
+          <p:nvPr/>
+        </p:nvPicPr>
+        <p:blipFill>
+          <a:blip r:embed="rId3"/>
+          <a:stretch>
+            <a:fillRect/>
+          </a:stretch>
+        </p:blipFill>
+        <p:spPr>
+          <a:xfrm>
+            <a:off x="6483927" y="1724721"/>
+            <a:ext cx="5110758" cy="3342683"/>
+          </a:xfrm>
+          <a:prstGeom prst="rect">
+            <a:avLst/>
+          </a:prstGeom>
+        </p:spPr>
+      </p:pic>
+      <p:sp>
+        <p:nvSpPr>
+          <p:cNvPr id="9" name="Prostokąt 8">
+            <a:extLst>
+              <a:ext uri="{FF2B5EF4-FFF2-40B4-BE49-F238E27FC236}">
+                <a16:creationId xmlns:a16="http://schemas.microsoft.com/office/drawing/2014/main" id="{49055D9B-FBDE-F30A-917A-0EE2778F03FB}"/>
+              </a:ext>
+            </a:extLst>
+          </p:cNvPr>
+          <p:cNvSpPr/>
+          <p:nvPr/>
+        </p:nvSpPr>
+        <p:spPr>
+          <a:xfrm>
+            <a:off x="6724996" y="2227811"/>
+            <a:ext cx="839586" cy="465513"/>
+          </a:xfrm>
+          <a:prstGeom prst="rect">
+            <a:avLst/>
+          </a:prstGeom>
+          <a:noFill/>
+          <a:ln w="38100">
+            <a:solidFill>
+              <a:srgbClr val="FF0000"/>
+            </a:solidFill>
+          </a:ln>
+        </p:spPr>
+        <p:style>
+          <a:lnRef idx="2">
+            <a:schemeClr val="accent1">
+              <a:shade val="15000"/>
+            </a:schemeClr>
+          </a:lnRef>
+          <a:fillRef idx="1">
+            <a:schemeClr val="accent1"/>
+          </a:fillRef>
+          <a:effectRef idx="0">
+            <a:schemeClr val="accent1"/>
+          </a:effectRef>
+          <a:fontRef idx="minor">
+            <a:schemeClr val="lt1"/>
+          </a:fontRef>
+        </p:style>
+        <p:txBody>
+          <a:bodyPr rtlCol="0" anchor="ctr"/>
+          <a:lstStyle/>
+          <a:p>
+            <a:pPr algn="ctr"/>
+            <a:endParaRPr lang="pl-PL"/>
+          </a:p>
+        </p:txBody>
+      </p:sp>
+      <p:sp>
+        <p:nvSpPr>
+          <p:cNvPr id="10" name="Prostokąt 9">
+            <a:extLst>
+              <a:ext uri="{FF2B5EF4-FFF2-40B4-BE49-F238E27FC236}">
+                <a16:creationId xmlns:a16="http://schemas.microsoft.com/office/drawing/2014/main" id="{75308AA2-08B9-C080-2938-5C8D06629756}"/>
+              </a:ext>
+            </a:extLst>
+          </p:cNvPr>
+          <p:cNvSpPr/>
+          <p:nvPr/>
+        </p:nvSpPr>
+        <p:spPr>
+          <a:xfrm>
+            <a:off x="401781" y="2286000"/>
+            <a:ext cx="839586" cy="407324"/>
+          </a:xfrm>
+          <a:prstGeom prst="rect">
+            <a:avLst/>
+          </a:prstGeom>
+          <a:noFill/>
+          <a:ln w="38100">
+            <a:solidFill>
+              <a:srgbClr val="FF0000"/>
+            </a:solidFill>
+          </a:ln>
+        </p:spPr>
+        <p:style>
+          <a:lnRef idx="2">
+            <a:schemeClr val="accent1">
+              <a:shade val="15000"/>
+            </a:schemeClr>
+          </a:lnRef>
+          <a:fillRef idx="1">
+            <a:schemeClr val="accent1"/>
+          </a:fillRef>
+          <a:effectRef idx="0">
+            <a:schemeClr val="accent1"/>
+          </a:effectRef>
+          <a:fontRef idx="minor">
+            <a:schemeClr val="lt1"/>
+          </a:fontRef>
+        </p:style>
+        <p:txBody>
+          <a:bodyPr rtlCol="0" anchor="ctr"/>
+          <a:lstStyle/>
+          <a:p>
+            <a:pPr algn="ctr"/>
+            <a:endParaRPr lang="pl-PL"/>
+          </a:p>
+        </p:txBody>
+      </p:sp>
+    </p:spTree>
+    <p:extLst>
+      <p:ext uri="{BB962C8B-B14F-4D97-AF65-F5344CB8AC3E}">
+        <p14:creationId xmlns:p14="http://schemas.microsoft.com/office/powerpoint/2010/main" val="3149416619"/>
+      </p:ext>
+    </p:extLst>
+  </p:cSld>
+  <p:clrMapOvr>
+    <a:masterClrMapping/>
+  </p:clrMapOvr>
+</p:sld>
+</file>
+
+<file path=ppt/slides/slide25.xml><?xml version="1.0" encoding="utf-8"?>
+<p:sld xmlns:a="http://schemas.openxmlformats.org/drawingml/2006/main" xmlns:r="http://schemas.openxmlformats.org/officeDocument/2006/relationships" xmlns:p="http://schemas.openxmlformats.org/presentationml/2006/main">
+  <p:cSld>
+    <p:spTree>
+      <p:nvGrpSpPr>
+        <p:cNvPr id="1" name=""/>
+        <p:cNvGrpSpPr/>
+        <p:nvPr/>
+      </p:nvGrpSpPr>
+      <p:grpSpPr>
+        <a:xfrm>
+          <a:off x="0" y="0"/>
+          <a:ext cx="0" cy="0"/>
+          <a:chOff x="0" y="0"/>
+          <a:chExt cx="0" cy="0"/>
+        </a:xfrm>
+      </p:grpSpPr>
+      <p:sp>
+        <p:nvSpPr>
+          <p:cNvPr id="2" name="Tytuł 1">
+            <a:extLst>
+              <a:ext uri="{FF2B5EF4-FFF2-40B4-BE49-F238E27FC236}">
+                <a16:creationId xmlns:a16="http://schemas.microsoft.com/office/drawing/2014/main" id="{A17CA7C4-2453-8697-86BC-63612DE4722F}"/>
+              </a:ext>
+            </a:extLst>
+          </p:cNvPr>
+          <p:cNvSpPr>
+            <a:spLocks noGrp="1"/>
+          </p:cNvSpPr>
+          <p:nvPr>
+            <p:ph type="title"/>
+          </p:nvPr>
+        </p:nvSpPr>
+        <p:spPr/>
+        <p:txBody>
+          <a:bodyPr/>
+          <a:lstStyle/>
+          <a:p>
+            <a:endParaRPr lang="pl-PL"/>
+          </a:p>
+        </p:txBody>
+      </p:sp>
+      <p:sp>
+        <p:nvSpPr>
+          <p:cNvPr id="3" name="Symbol zastępczy zawartości 2">
+            <a:extLst>
+              <a:ext uri="{FF2B5EF4-FFF2-40B4-BE49-F238E27FC236}">
+                <a16:creationId xmlns:a16="http://schemas.microsoft.com/office/drawing/2014/main" id="{D802092D-1D0E-EDFA-8192-1D1DDCD53FEA}"/>
+              </a:ext>
+            </a:extLst>
+          </p:cNvPr>
+          <p:cNvSpPr>
+            <a:spLocks noGrp="1"/>
+          </p:cNvSpPr>
+          <p:nvPr>
+            <p:ph idx="1"/>
+          </p:nvPr>
+        </p:nvSpPr>
+        <p:spPr/>
+        <p:txBody>
+          <a:bodyPr/>
+          <a:lstStyle/>
+          <a:p>
+            <a:endParaRPr lang="pl-PL"/>
+          </a:p>
+        </p:txBody>
+      </p:sp>
+    </p:spTree>
+    <p:extLst>
+      <p:ext uri="{BB962C8B-B14F-4D97-AF65-F5344CB8AC3E}">
+        <p14:creationId xmlns:p14="http://schemas.microsoft.com/office/powerpoint/2010/main" val="3466620043"/>
       </p:ext>
     </p:extLst>
   </p:cSld>
@@ -16170,6 +16484,15 @@
 </file>
 
 <file path=customXml/item1.xml><?xml version="1.0" encoding="utf-8"?>
+<?mso-contentType ?>
+<FormTemplates xmlns="http://schemas.microsoft.com/sharepoint/v3/contenttype/forms">
+  <Display>DocumentLibraryForm</Display>
+  <Edit>DocumentLibraryForm</Edit>
+  <New>DocumentLibraryForm</New>
+</FormTemplates>
+</file>
+
+<file path=customXml/item2.xml><?xml version="1.0" encoding="utf-8"?>
 <ct:contentTypeSchema xmlns:ct="http://schemas.microsoft.com/office/2006/metadata/contentType" xmlns:ma="http://schemas.microsoft.com/office/2006/metadata/properties/metaAttributes" ct:_="" ma:_="" ma:contentTypeName="Dokument" ma:contentTypeID="0x010100769EEAFFF8050846B8921DC5A70925A7" ma:contentTypeVersion="3" ma:contentTypeDescription="Utwórz nowy dokument." ma:contentTypeScope="" ma:versionID="1f4082ff9506847b40a5a59f069eab22">
   <xsd:schema xmlns:xsd="http://www.w3.org/2001/XMLSchema" xmlns:xs="http://www.w3.org/2001/XMLSchema" xmlns:p="http://schemas.microsoft.com/office/2006/metadata/properties" xmlns:ns2="8f53f1b7-a1b3-4c57-bf3a-36b8131d8963" targetNamespace="http://schemas.microsoft.com/office/2006/metadata/properties" ma:root="true" ma:fieldsID="d189dd818bdf0938f0b5cbdf1b3b47c0" ns2:_="">
     <xsd:import namespace="8f53f1b7-a1b3-4c57-bf3a-36b8131d8963"/>
@@ -16307,15 +16630,6 @@
 </ct:contentTypeSchema>
 </file>
 
-<file path=customXml/item2.xml><?xml version="1.0" encoding="utf-8"?>
-<?mso-contentType ?>
-<FormTemplates xmlns="http://schemas.microsoft.com/sharepoint/v3/contenttype/forms">
-  <Display>DocumentLibraryForm</Display>
-  <Edit>DocumentLibraryForm</Edit>
-  <New>DocumentLibraryForm</New>
-</FormTemplates>
-</file>
-
 <file path=customXml/item3.xml><?xml version="1.0" encoding="utf-8"?>
 <p:properties xmlns:p="http://schemas.microsoft.com/office/2006/metadata/properties" xmlns:xsi="http://www.w3.org/2001/XMLSchema-instance" xmlns:pc="http://schemas.microsoft.com/office/infopath/2007/PartnerControls">
   <documentManagement/>
@@ -16323,6 +16637,14 @@
 </file>
 
 <file path=customXml/itemProps1.xml><?xml version="1.0" encoding="utf-8"?>
+<ds:datastoreItem xmlns:ds="http://schemas.openxmlformats.org/officeDocument/2006/customXml" ds:itemID="{012BA5D1-44B4-4C9F-A672-67DCBBFEC434}">
+  <ds:schemaRefs>
+    <ds:schemaRef ds:uri="http://schemas.microsoft.com/sharepoint/v3/contenttype/forms"/>
+  </ds:schemaRefs>
+</ds:datastoreItem>
+</file>
+
+<file path=customXml/itemProps2.xml><?xml version="1.0" encoding="utf-8"?>
 <ds:datastoreItem xmlns:ds="http://schemas.openxmlformats.org/officeDocument/2006/customXml" ds:itemID="{A74586BE-E8EA-47E3-AF58-58324FF0C251}">
   <ds:schemaRefs>
     <ds:schemaRef ds:uri="http://schemas.microsoft.com/office/2006/metadata/contentType"/>
@@ -16336,14 +16658,6 @@
     <ds:schemaRef ds:uri="http://purl.org/dc/elements/1.1/"/>
     <ds:schemaRef ds:uri="http://purl.org/dc/terms/"/>
     <ds:schemaRef ds:uri="http://schemas.microsoft.com/internal/obd"/>
-  </ds:schemaRefs>
-</ds:datastoreItem>
-</file>
-
-<file path=customXml/itemProps2.xml><?xml version="1.0" encoding="utf-8"?>
-<ds:datastoreItem xmlns:ds="http://schemas.openxmlformats.org/officeDocument/2006/customXml" ds:itemID="{012BA5D1-44B4-4C9F-A672-67DCBBFEC434}">
-  <ds:schemaRefs>
-    <ds:schemaRef ds:uri="http://schemas.microsoft.com/sharepoint/v3/contenttype/forms"/>
   </ds:schemaRefs>
 </ds:datastoreItem>
 </file>

--- a/Chip_controller.pptx
+++ b/Chip_controller.pptx
@@ -5,7 +5,7 @@
     <p:sldMasterId id="2147483648" r:id="rId4"/>
   </p:sldMasterIdLst>
   <p:notesMasterIdLst>
-    <p:notesMasterId r:id="rId30"/>
+    <p:notesMasterId r:id="rId40"/>
   </p:notesMasterIdLst>
   <p:sldIdLst>
     <p:sldId id="256" r:id="rId5"/>
@@ -33,6 +33,16 @@
     <p:sldId id="279" r:id="rId27"/>
     <p:sldId id="280" r:id="rId28"/>
     <p:sldId id="281" r:id="rId29"/>
+    <p:sldId id="282" r:id="rId30"/>
+    <p:sldId id="284" r:id="rId31"/>
+    <p:sldId id="283" r:id="rId32"/>
+    <p:sldId id="285" r:id="rId33"/>
+    <p:sldId id="286" r:id="rId34"/>
+    <p:sldId id="287" r:id="rId35"/>
+    <p:sldId id="288" r:id="rId36"/>
+    <p:sldId id="290" r:id="rId37"/>
+    <p:sldId id="291" r:id="rId38"/>
+    <p:sldId id="289" r:id="rId39"/>
   </p:sldIdLst>
   <p:sldSz cx="12192000" cy="6858000"/>
   <p:notesSz cx="6858000" cy="9144000"/>
@@ -3956,7 +3966,7 @@
           <a:p>
             <a:fld id="{501247CE-AEBE-4E28-B18F-884610CB35E9}" type="datetimeFigureOut">
               <a:rPr lang="pl-PL" smtClean="0"/>
-              <a:t>2023-11-02</a:t>
+              <a:t>2023-12-03</a:t>
             </a:fld>
             <a:endParaRPr lang="pl-PL"/>
           </a:p>
@@ -6144,7 +6154,7 @@
           <a:p>
             <a:fld id="{06177C7D-6CA5-4192-8F8D-E84608DE3E48}" type="datetimeFigureOut">
               <a:rPr lang="pl-PL" smtClean="0"/>
-              <a:t>2023-11-02</a:t>
+              <a:t>2023-12-03</a:t>
             </a:fld>
             <a:endParaRPr lang="pl-PL"/>
           </a:p>
@@ -6342,7 +6352,7 @@
           <a:p>
             <a:fld id="{06177C7D-6CA5-4192-8F8D-E84608DE3E48}" type="datetimeFigureOut">
               <a:rPr lang="pl-PL" smtClean="0"/>
-              <a:t>2023-11-02</a:t>
+              <a:t>2023-12-03</a:t>
             </a:fld>
             <a:endParaRPr lang="pl-PL"/>
           </a:p>
@@ -6550,7 +6560,7 @@
           <a:p>
             <a:fld id="{06177C7D-6CA5-4192-8F8D-E84608DE3E48}" type="datetimeFigureOut">
               <a:rPr lang="pl-PL" smtClean="0"/>
-              <a:t>2023-11-02</a:t>
+              <a:t>2023-12-03</a:t>
             </a:fld>
             <a:endParaRPr lang="pl-PL"/>
           </a:p>
@@ -6748,7 +6758,7 @@
           <a:p>
             <a:fld id="{06177C7D-6CA5-4192-8F8D-E84608DE3E48}" type="datetimeFigureOut">
               <a:rPr lang="pl-PL" smtClean="0"/>
-              <a:t>2023-11-02</a:t>
+              <a:t>2023-12-03</a:t>
             </a:fld>
             <a:endParaRPr lang="pl-PL"/>
           </a:p>
@@ -7023,7 +7033,7 @@
           <a:p>
             <a:fld id="{06177C7D-6CA5-4192-8F8D-E84608DE3E48}" type="datetimeFigureOut">
               <a:rPr lang="pl-PL" smtClean="0"/>
-              <a:t>2023-11-02</a:t>
+              <a:t>2023-12-03</a:t>
             </a:fld>
             <a:endParaRPr lang="pl-PL"/>
           </a:p>
@@ -7288,7 +7298,7 @@
           <a:p>
             <a:fld id="{06177C7D-6CA5-4192-8F8D-E84608DE3E48}" type="datetimeFigureOut">
               <a:rPr lang="pl-PL" smtClean="0"/>
-              <a:t>2023-11-02</a:t>
+              <a:t>2023-12-03</a:t>
             </a:fld>
             <a:endParaRPr lang="pl-PL"/>
           </a:p>
@@ -7700,7 +7710,7 @@
           <a:p>
             <a:fld id="{06177C7D-6CA5-4192-8F8D-E84608DE3E48}" type="datetimeFigureOut">
               <a:rPr lang="pl-PL" smtClean="0"/>
-              <a:t>2023-11-02</a:t>
+              <a:t>2023-12-03</a:t>
             </a:fld>
             <a:endParaRPr lang="pl-PL"/>
           </a:p>
@@ -7841,7 +7851,7 @@
           <a:p>
             <a:fld id="{06177C7D-6CA5-4192-8F8D-E84608DE3E48}" type="datetimeFigureOut">
               <a:rPr lang="pl-PL" smtClean="0"/>
-              <a:t>2023-11-02</a:t>
+              <a:t>2023-12-03</a:t>
             </a:fld>
             <a:endParaRPr lang="pl-PL"/>
           </a:p>
@@ -7954,7 +7964,7 @@
           <a:p>
             <a:fld id="{06177C7D-6CA5-4192-8F8D-E84608DE3E48}" type="datetimeFigureOut">
               <a:rPr lang="pl-PL" smtClean="0"/>
-              <a:t>2023-11-02</a:t>
+              <a:t>2023-12-03</a:t>
             </a:fld>
             <a:endParaRPr lang="pl-PL"/>
           </a:p>
@@ -8265,7 +8275,7 @@
           <a:p>
             <a:fld id="{06177C7D-6CA5-4192-8F8D-E84608DE3E48}" type="datetimeFigureOut">
               <a:rPr lang="pl-PL" smtClean="0"/>
-              <a:t>2023-11-02</a:t>
+              <a:t>2023-12-03</a:t>
             </a:fld>
             <a:endParaRPr lang="pl-PL"/>
           </a:p>
@@ -8553,7 +8563,7 @@
           <a:p>
             <a:fld id="{06177C7D-6CA5-4192-8F8D-E84608DE3E48}" type="datetimeFigureOut">
               <a:rPr lang="pl-PL" smtClean="0"/>
-              <a:t>2023-11-02</a:t>
+              <a:t>2023-12-03</a:t>
             </a:fld>
             <a:endParaRPr lang="pl-PL"/>
           </a:p>
@@ -8794,7 +8804,7 @@
           <a:p>
             <a:fld id="{06177C7D-6CA5-4192-8F8D-E84608DE3E48}" type="datetimeFigureOut">
               <a:rPr lang="pl-PL" smtClean="0"/>
-              <a:t>2023-11-02</a:t>
+              <a:t>2023-12-03</a:t>
             </a:fld>
             <a:endParaRPr lang="pl-PL"/>
           </a:p>
@@ -13777,60 +13787,1489 @@
           <a:chExt cx="0" cy="0"/>
         </a:xfrm>
       </p:grpSpPr>
+      <p:pic>
+        <p:nvPicPr>
+          <p:cNvPr id="5" name="Symbol zastępczy zawartości 4">
+            <a:extLst>
+              <a:ext uri="{FF2B5EF4-FFF2-40B4-BE49-F238E27FC236}">
+                <a16:creationId xmlns:a16="http://schemas.microsoft.com/office/drawing/2014/main" id="{88D8C245-DD56-1FA2-2837-233D839791CB}"/>
+              </a:ext>
+            </a:extLst>
+          </p:cNvPr>
+          <p:cNvPicPr>
+            <a:picLocks noGrp="1" noChangeAspect="1"/>
+          </p:cNvPicPr>
+          <p:nvPr>
+            <p:ph idx="1"/>
+          </p:nvPr>
+        </p:nvPicPr>
+        <p:blipFill>
+          <a:blip r:embed="rId2"/>
+          <a:stretch>
+            <a:fillRect/>
+          </a:stretch>
+        </p:blipFill>
+        <p:spPr>
+          <a:xfrm>
+            <a:off x="1092139" y="1655128"/>
+            <a:ext cx="9078592" cy="523948"/>
+          </a:xfrm>
+        </p:spPr>
+      </p:pic>
+      <p:pic>
+        <p:nvPicPr>
+          <p:cNvPr id="7" name="Obraz 6">
+            <a:extLst>
+              <a:ext uri="{FF2B5EF4-FFF2-40B4-BE49-F238E27FC236}">
+                <a16:creationId xmlns:a16="http://schemas.microsoft.com/office/drawing/2014/main" id="{64DB5672-8C78-A746-C9B3-A979726DF9D1}"/>
+              </a:ext>
+            </a:extLst>
+          </p:cNvPr>
+          <p:cNvPicPr>
+            <a:picLocks noChangeAspect="1"/>
+          </p:cNvPicPr>
+          <p:nvPr/>
+        </p:nvPicPr>
+        <p:blipFill>
+          <a:blip r:embed="rId3"/>
+          <a:stretch>
+            <a:fillRect/>
+          </a:stretch>
+        </p:blipFill>
+        <p:spPr>
+          <a:xfrm>
+            <a:off x="1196603" y="3880472"/>
+            <a:ext cx="7554379" cy="504895"/>
+          </a:xfrm>
+          <a:prstGeom prst="rect">
+            <a:avLst/>
+          </a:prstGeom>
+        </p:spPr>
+      </p:pic>
+      <p:pic>
+        <p:nvPicPr>
+          <p:cNvPr id="9" name="Obraz 8">
+            <a:extLst>
+              <a:ext uri="{FF2B5EF4-FFF2-40B4-BE49-F238E27FC236}">
+                <a16:creationId xmlns:a16="http://schemas.microsoft.com/office/drawing/2014/main" id="{6EDD7B63-FA38-E06A-F1C3-3D8B508BC32F}"/>
+              </a:ext>
+            </a:extLst>
+          </p:cNvPr>
+          <p:cNvPicPr>
+            <a:picLocks noChangeAspect="1"/>
+          </p:cNvPicPr>
+          <p:nvPr/>
+        </p:nvPicPr>
+        <p:blipFill>
+          <a:blip r:embed="rId4"/>
+          <a:stretch>
+            <a:fillRect/>
+          </a:stretch>
+        </p:blipFill>
+        <p:spPr>
+          <a:xfrm>
+            <a:off x="1092139" y="5547954"/>
+            <a:ext cx="4696480" cy="504895"/>
+          </a:xfrm>
+          <a:prstGeom prst="rect">
+            <a:avLst/>
+          </a:prstGeom>
+        </p:spPr>
+      </p:pic>
+      <p:pic>
+        <p:nvPicPr>
+          <p:cNvPr id="11" name="Obraz 10">
+            <a:extLst>
+              <a:ext uri="{FF2B5EF4-FFF2-40B4-BE49-F238E27FC236}">
+                <a16:creationId xmlns:a16="http://schemas.microsoft.com/office/drawing/2014/main" id="{4E720710-32E7-6D00-6219-6E038CF9D23A}"/>
+              </a:ext>
+            </a:extLst>
+          </p:cNvPr>
+          <p:cNvPicPr>
+            <a:picLocks noChangeAspect="1"/>
+          </p:cNvPicPr>
+          <p:nvPr/>
+        </p:nvPicPr>
+        <p:blipFill>
+          <a:blip r:embed="rId5"/>
+          <a:stretch>
+            <a:fillRect/>
+          </a:stretch>
+        </p:blipFill>
+        <p:spPr>
+          <a:xfrm>
+            <a:off x="1149298" y="663290"/>
+            <a:ext cx="3496163" cy="828791"/>
+          </a:xfrm>
+          <a:prstGeom prst="rect">
+            <a:avLst/>
+          </a:prstGeom>
+        </p:spPr>
+      </p:pic>
+      <p:pic>
+        <p:nvPicPr>
+          <p:cNvPr id="13" name="Obraz 12">
+            <a:extLst>
+              <a:ext uri="{FF2B5EF4-FFF2-40B4-BE49-F238E27FC236}">
+                <a16:creationId xmlns:a16="http://schemas.microsoft.com/office/drawing/2014/main" id="{59CA2CC8-C716-6EF4-E1F3-DCC220599269}"/>
+              </a:ext>
+            </a:extLst>
+          </p:cNvPr>
+          <p:cNvPicPr>
+            <a:picLocks noChangeAspect="1"/>
+          </p:cNvPicPr>
+          <p:nvPr/>
+        </p:nvPicPr>
+        <p:blipFill>
+          <a:blip r:embed="rId6"/>
+          <a:stretch>
+            <a:fillRect/>
+          </a:stretch>
+        </p:blipFill>
+        <p:spPr>
+          <a:xfrm>
+            <a:off x="1092139" y="3052678"/>
+            <a:ext cx="3610479" cy="647790"/>
+          </a:xfrm>
+          <a:prstGeom prst="rect">
+            <a:avLst/>
+          </a:prstGeom>
+        </p:spPr>
+      </p:pic>
+      <p:pic>
+        <p:nvPicPr>
+          <p:cNvPr id="15" name="Obraz 14">
+            <a:extLst>
+              <a:ext uri="{FF2B5EF4-FFF2-40B4-BE49-F238E27FC236}">
+                <a16:creationId xmlns:a16="http://schemas.microsoft.com/office/drawing/2014/main" id="{D43158B4-D536-7C8B-5EC8-2A0033F4BD14}"/>
+              </a:ext>
+            </a:extLst>
+          </p:cNvPr>
+          <p:cNvPicPr>
+            <a:picLocks noChangeAspect="1"/>
+          </p:cNvPicPr>
+          <p:nvPr/>
+        </p:nvPicPr>
+        <p:blipFill>
+          <a:blip r:embed="rId7"/>
+          <a:stretch>
+            <a:fillRect/>
+          </a:stretch>
+        </p:blipFill>
+        <p:spPr>
+          <a:xfrm>
+            <a:off x="1149298" y="4829268"/>
+            <a:ext cx="3429479" cy="495369"/>
+          </a:xfrm>
+          <a:prstGeom prst="rect">
+            <a:avLst/>
+          </a:prstGeom>
+        </p:spPr>
+      </p:pic>
       <p:sp>
         <p:nvSpPr>
-          <p:cNvPr id="2" name="Tytuł 1">
+          <p:cNvPr id="16" name="pole tekstowe 15">
             <a:extLst>
               <a:ext uri="{FF2B5EF4-FFF2-40B4-BE49-F238E27FC236}">
-                <a16:creationId xmlns:a16="http://schemas.microsoft.com/office/drawing/2014/main" id="{A17CA7C4-2453-8697-86BC-63612DE4722F}"/>
+                <a16:creationId xmlns:a16="http://schemas.microsoft.com/office/drawing/2014/main" id="{E6AEEF45-2607-ADB8-50F7-E080B4BACEC8}"/>
               </a:ext>
             </a:extLst>
           </p:cNvPr>
-          <p:cNvSpPr>
-            <a:spLocks noGrp="1"/>
-          </p:cNvSpPr>
-          <p:nvPr>
-            <p:ph type="title"/>
-          </p:nvPr>
+          <p:cNvSpPr txBox="1"/>
+          <p:nvPr/>
         </p:nvSpPr>
-        <p:spPr/>
+        <p:spPr>
+          <a:xfrm>
+            <a:off x="2453293" y="711258"/>
+            <a:ext cx="541071" cy="276999"/>
+          </a:xfrm>
+          <a:prstGeom prst="rect">
+            <a:avLst/>
+          </a:prstGeom>
+          <a:noFill/>
+        </p:spPr>
         <p:txBody>
-          <a:bodyPr/>
+          <a:bodyPr wrap="square" rtlCol="0">
+            <a:spAutoFit/>
+          </a:bodyPr>
           <a:lstStyle/>
           <a:p>
-            <a:endParaRPr lang="pl-PL"/>
+            <a:r>
+              <a:rPr lang="pl-PL" sz="1200" b="1" dirty="0">
+                <a:solidFill>
+                  <a:schemeClr val="accent2">
+                    <a:lumMod val="50000"/>
+                  </a:schemeClr>
+                </a:solidFill>
+              </a:rPr>
+              <a:t>MSB</a:t>
+            </a:r>
           </a:p>
         </p:txBody>
       </p:sp>
       <p:sp>
         <p:nvSpPr>
-          <p:cNvPr id="3" name="Symbol zastępczy zawartości 2">
+          <p:cNvPr id="17" name="pole tekstowe 16">
             <a:extLst>
               <a:ext uri="{FF2B5EF4-FFF2-40B4-BE49-F238E27FC236}">
-                <a16:creationId xmlns:a16="http://schemas.microsoft.com/office/drawing/2014/main" id="{D802092D-1D0E-EDFA-8192-1D1DDCD53FEA}"/>
+                <a16:creationId xmlns:a16="http://schemas.microsoft.com/office/drawing/2014/main" id="{CC3AEC83-633D-2EB7-7EF8-8880C3BBBBE7}"/>
               </a:ext>
             </a:extLst>
           </p:cNvPr>
-          <p:cNvSpPr>
-            <a:spLocks noGrp="1"/>
-          </p:cNvSpPr>
-          <p:nvPr>
-            <p:ph idx="1"/>
-          </p:nvPr>
+          <p:cNvSpPr txBox="1"/>
+          <p:nvPr/>
         </p:nvSpPr>
-        <p:spPr/>
+        <p:spPr>
+          <a:xfrm>
+            <a:off x="8433141" y="1778602"/>
+            <a:ext cx="541071" cy="276999"/>
+          </a:xfrm>
+          <a:prstGeom prst="rect">
+            <a:avLst/>
+          </a:prstGeom>
+          <a:noFill/>
+        </p:spPr>
         <p:txBody>
-          <a:bodyPr/>
+          <a:bodyPr wrap="square" rtlCol="0">
+            <a:spAutoFit/>
+          </a:bodyPr>
           <a:lstStyle/>
           <a:p>
+            <a:r>
+              <a:rPr lang="pl-PL" sz="1200" b="1" dirty="0">
+                <a:solidFill>
+                  <a:schemeClr val="accent2">
+                    <a:lumMod val="50000"/>
+                  </a:schemeClr>
+                </a:solidFill>
+              </a:rPr>
+              <a:t>MSB</a:t>
+            </a:r>
+          </a:p>
+        </p:txBody>
+      </p:sp>
+      <p:sp>
+        <p:nvSpPr>
+          <p:cNvPr id="18" name="pole tekstowe 17">
+            <a:extLst>
+              <a:ext uri="{FF2B5EF4-FFF2-40B4-BE49-F238E27FC236}">
+                <a16:creationId xmlns:a16="http://schemas.microsoft.com/office/drawing/2014/main" id="{2218EC04-771C-CB8F-E39F-D7C5237E5C9F}"/>
+              </a:ext>
+            </a:extLst>
+          </p:cNvPr>
+          <p:cNvSpPr txBox="1"/>
+          <p:nvPr/>
+        </p:nvSpPr>
+        <p:spPr>
+          <a:xfrm>
+            <a:off x="2453295" y="3135244"/>
+            <a:ext cx="541071" cy="276999"/>
+          </a:xfrm>
+          <a:prstGeom prst="rect">
+            <a:avLst/>
+          </a:prstGeom>
+          <a:noFill/>
+        </p:spPr>
+        <p:txBody>
+          <a:bodyPr wrap="square" rtlCol="0">
+            <a:spAutoFit/>
+          </a:bodyPr>
+          <a:lstStyle/>
+          <a:p>
+            <a:r>
+              <a:rPr lang="pl-PL" sz="1200" b="1" dirty="0">
+                <a:solidFill>
+                  <a:schemeClr val="accent2">
+                    <a:lumMod val="50000"/>
+                  </a:schemeClr>
+                </a:solidFill>
+              </a:rPr>
+              <a:t>MSB</a:t>
+            </a:r>
+          </a:p>
+        </p:txBody>
+      </p:sp>
+      <p:sp>
+        <p:nvSpPr>
+          <p:cNvPr id="19" name="pole tekstowe 18">
+            <a:extLst>
+              <a:ext uri="{FF2B5EF4-FFF2-40B4-BE49-F238E27FC236}">
+                <a16:creationId xmlns:a16="http://schemas.microsoft.com/office/drawing/2014/main" id="{447E6588-2D8D-13CE-C0D5-B0709B5988D0}"/>
+              </a:ext>
+            </a:extLst>
+          </p:cNvPr>
+          <p:cNvSpPr txBox="1"/>
+          <p:nvPr/>
+        </p:nvSpPr>
+        <p:spPr>
+          <a:xfrm>
+            <a:off x="6781481" y="3977462"/>
+            <a:ext cx="541071" cy="276999"/>
+          </a:xfrm>
+          <a:prstGeom prst="rect">
+            <a:avLst/>
+          </a:prstGeom>
+          <a:noFill/>
+        </p:spPr>
+        <p:txBody>
+          <a:bodyPr wrap="square" rtlCol="0">
+            <a:spAutoFit/>
+          </a:bodyPr>
+          <a:lstStyle/>
+          <a:p>
+            <a:r>
+              <a:rPr lang="pl-PL" sz="1200" b="1" dirty="0">
+                <a:solidFill>
+                  <a:schemeClr val="accent2">
+                    <a:lumMod val="50000"/>
+                  </a:schemeClr>
+                </a:solidFill>
+              </a:rPr>
+              <a:t>MSB</a:t>
+            </a:r>
+          </a:p>
+        </p:txBody>
+      </p:sp>
+      <p:sp>
+        <p:nvSpPr>
+          <p:cNvPr id="20" name="pole tekstowe 19">
+            <a:extLst>
+              <a:ext uri="{FF2B5EF4-FFF2-40B4-BE49-F238E27FC236}">
+                <a16:creationId xmlns:a16="http://schemas.microsoft.com/office/drawing/2014/main" id="{AAA79F67-A83D-6C1A-C0C4-7E41D632B5D7}"/>
+              </a:ext>
+            </a:extLst>
+          </p:cNvPr>
+          <p:cNvSpPr txBox="1"/>
+          <p:nvPr/>
+        </p:nvSpPr>
+        <p:spPr>
+          <a:xfrm>
+            <a:off x="2453294" y="4914125"/>
+            <a:ext cx="541071" cy="276999"/>
+          </a:xfrm>
+          <a:prstGeom prst="rect">
+            <a:avLst/>
+          </a:prstGeom>
+          <a:noFill/>
+        </p:spPr>
+        <p:txBody>
+          <a:bodyPr wrap="square" rtlCol="0">
+            <a:spAutoFit/>
+          </a:bodyPr>
+          <a:lstStyle/>
+          <a:p>
+            <a:r>
+              <a:rPr lang="pl-PL" sz="1200" b="1" dirty="0">
+                <a:solidFill>
+                  <a:schemeClr val="accent2">
+                    <a:lumMod val="50000"/>
+                  </a:schemeClr>
+                </a:solidFill>
+              </a:rPr>
+              <a:t>MSB</a:t>
+            </a:r>
+          </a:p>
+        </p:txBody>
+      </p:sp>
+      <p:sp>
+        <p:nvSpPr>
+          <p:cNvPr id="21" name="pole tekstowe 20">
+            <a:extLst>
+              <a:ext uri="{FF2B5EF4-FFF2-40B4-BE49-F238E27FC236}">
+                <a16:creationId xmlns:a16="http://schemas.microsoft.com/office/drawing/2014/main" id="{4F3C2167-214B-B1BA-EC53-3871267E29CA}"/>
+              </a:ext>
+            </a:extLst>
+          </p:cNvPr>
+          <p:cNvSpPr txBox="1"/>
+          <p:nvPr/>
+        </p:nvSpPr>
+        <p:spPr>
+          <a:xfrm>
+            <a:off x="4161547" y="5574306"/>
+            <a:ext cx="541071" cy="276999"/>
+          </a:xfrm>
+          <a:prstGeom prst="rect">
+            <a:avLst/>
+          </a:prstGeom>
+          <a:noFill/>
+        </p:spPr>
+        <p:txBody>
+          <a:bodyPr wrap="square" rtlCol="0">
+            <a:spAutoFit/>
+          </a:bodyPr>
+          <a:lstStyle/>
+          <a:p>
+            <a:r>
+              <a:rPr lang="pl-PL" sz="1200" b="1" dirty="0">
+                <a:solidFill>
+                  <a:schemeClr val="accent2">
+                    <a:lumMod val="50000"/>
+                  </a:schemeClr>
+                </a:solidFill>
+              </a:rPr>
+              <a:t>MSB</a:t>
+            </a:r>
+          </a:p>
+        </p:txBody>
+      </p:sp>
+      <p:sp>
+        <p:nvSpPr>
+          <p:cNvPr id="23" name="Prostokąt 22">
+            <a:extLst>
+              <a:ext uri="{FF2B5EF4-FFF2-40B4-BE49-F238E27FC236}">
+                <a16:creationId xmlns:a16="http://schemas.microsoft.com/office/drawing/2014/main" id="{35BD4037-C53C-B293-BB49-ABF2F902E4D7}"/>
+              </a:ext>
+            </a:extLst>
+          </p:cNvPr>
+          <p:cNvSpPr/>
+          <p:nvPr/>
+        </p:nvSpPr>
+        <p:spPr>
+          <a:xfrm>
+            <a:off x="2316431" y="968972"/>
+            <a:ext cx="541070" cy="541674"/>
+          </a:xfrm>
+          <a:prstGeom prst="rect">
+            <a:avLst/>
+          </a:prstGeom>
+          <a:noFill/>
+          <a:ln w="28575">
+            <a:solidFill>
+              <a:schemeClr val="accent2">
+                <a:lumMod val="75000"/>
+              </a:schemeClr>
+            </a:solidFill>
+          </a:ln>
+        </p:spPr>
+        <p:style>
+          <a:lnRef idx="2">
+            <a:schemeClr val="accent1">
+              <a:shade val="15000"/>
+            </a:schemeClr>
+          </a:lnRef>
+          <a:fillRef idx="1">
+            <a:schemeClr val="accent1"/>
+          </a:fillRef>
+          <a:effectRef idx="0">
+            <a:schemeClr val="accent1"/>
+          </a:effectRef>
+          <a:fontRef idx="minor">
+            <a:schemeClr val="lt1"/>
+          </a:fontRef>
+        </p:style>
+        <p:txBody>
+          <a:bodyPr rtlCol="0" anchor="ctr"/>
+          <a:lstStyle/>
+          <a:p>
+            <a:pPr algn="ctr"/>
             <a:endParaRPr lang="pl-PL"/>
+          </a:p>
+        </p:txBody>
+      </p:sp>
+      <p:sp>
+        <p:nvSpPr>
+          <p:cNvPr id="25" name="Prostokąt 24">
+            <a:extLst>
+              <a:ext uri="{FF2B5EF4-FFF2-40B4-BE49-F238E27FC236}">
+                <a16:creationId xmlns:a16="http://schemas.microsoft.com/office/drawing/2014/main" id="{9CAB04BB-33F8-C8E2-5D83-500C2C61072D}"/>
+              </a:ext>
+            </a:extLst>
+          </p:cNvPr>
+          <p:cNvSpPr/>
+          <p:nvPr/>
+        </p:nvSpPr>
+        <p:spPr>
+          <a:xfrm>
+            <a:off x="7954912" y="2002586"/>
+            <a:ext cx="1019300" cy="176489"/>
+          </a:xfrm>
+          <a:prstGeom prst="rect">
+            <a:avLst/>
+          </a:prstGeom>
+          <a:noFill/>
+          <a:ln w="28575">
+            <a:solidFill>
+              <a:schemeClr val="accent2">
+                <a:lumMod val="75000"/>
+              </a:schemeClr>
+            </a:solidFill>
+          </a:ln>
+        </p:spPr>
+        <p:style>
+          <a:lnRef idx="2">
+            <a:schemeClr val="accent1">
+              <a:shade val="15000"/>
+            </a:schemeClr>
+          </a:lnRef>
+          <a:fillRef idx="1">
+            <a:schemeClr val="accent1"/>
+          </a:fillRef>
+          <a:effectRef idx="0">
+            <a:schemeClr val="accent1"/>
+          </a:effectRef>
+          <a:fontRef idx="minor">
+            <a:schemeClr val="lt1"/>
+          </a:fontRef>
+        </p:style>
+        <p:txBody>
+          <a:bodyPr rtlCol="0" anchor="ctr"/>
+          <a:lstStyle/>
+          <a:p>
+            <a:pPr algn="ctr"/>
+            <a:endParaRPr lang="pl-PL"/>
+          </a:p>
+        </p:txBody>
+      </p:sp>
+      <p:sp>
+        <p:nvSpPr>
+          <p:cNvPr id="26" name="Prostokąt 25">
+            <a:extLst>
+              <a:ext uri="{FF2B5EF4-FFF2-40B4-BE49-F238E27FC236}">
+                <a16:creationId xmlns:a16="http://schemas.microsoft.com/office/drawing/2014/main" id="{7ACCAC08-3932-D799-E805-6E98DDF80238}"/>
+              </a:ext>
+            </a:extLst>
+          </p:cNvPr>
+          <p:cNvSpPr/>
+          <p:nvPr/>
+        </p:nvSpPr>
+        <p:spPr>
+          <a:xfrm>
+            <a:off x="6638924" y="4208878"/>
+            <a:ext cx="830337" cy="176489"/>
+          </a:xfrm>
+          <a:prstGeom prst="rect">
+            <a:avLst/>
+          </a:prstGeom>
+          <a:noFill/>
+          <a:ln w="28575">
+            <a:solidFill>
+              <a:schemeClr val="accent2">
+                <a:lumMod val="75000"/>
+              </a:schemeClr>
+            </a:solidFill>
+          </a:ln>
+        </p:spPr>
+        <p:style>
+          <a:lnRef idx="2">
+            <a:schemeClr val="accent1">
+              <a:shade val="15000"/>
+            </a:schemeClr>
+          </a:lnRef>
+          <a:fillRef idx="1">
+            <a:schemeClr val="accent1"/>
+          </a:fillRef>
+          <a:effectRef idx="0">
+            <a:schemeClr val="accent1"/>
+          </a:effectRef>
+          <a:fontRef idx="minor">
+            <a:schemeClr val="lt1"/>
+          </a:fontRef>
+        </p:style>
+        <p:txBody>
+          <a:bodyPr rtlCol="0" anchor="ctr"/>
+          <a:lstStyle/>
+          <a:p>
+            <a:pPr algn="ctr"/>
+            <a:endParaRPr lang="pl-PL"/>
+          </a:p>
+        </p:txBody>
+      </p:sp>
+      <p:sp>
+        <p:nvSpPr>
+          <p:cNvPr id="27" name="Prostokąt 26">
+            <a:extLst>
+              <a:ext uri="{FF2B5EF4-FFF2-40B4-BE49-F238E27FC236}">
+                <a16:creationId xmlns:a16="http://schemas.microsoft.com/office/drawing/2014/main" id="{63D10B2E-5BBE-B9EC-A9DD-E4EC5D13C2CB}"/>
+              </a:ext>
+            </a:extLst>
+          </p:cNvPr>
+          <p:cNvSpPr/>
+          <p:nvPr/>
+        </p:nvSpPr>
+        <p:spPr>
+          <a:xfrm>
+            <a:off x="4229099" y="5849155"/>
+            <a:ext cx="349677" cy="203694"/>
+          </a:xfrm>
+          <a:prstGeom prst="rect">
+            <a:avLst/>
+          </a:prstGeom>
+          <a:noFill/>
+          <a:ln w="28575">
+            <a:solidFill>
+              <a:schemeClr val="accent2">
+                <a:lumMod val="75000"/>
+              </a:schemeClr>
+            </a:solidFill>
+          </a:ln>
+        </p:spPr>
+        <p:style>
+          <a:lnRef idx="2">
+            <a:schemeClr val="accent1">
+              <a:shade val="15000"/>
+            </a:schemeClr>
+          </a:lnRef>
+          <a:fillRef idx="1">
+            <a:schemeClr val="accent1"/>
+          </a:fillRef>
+          <a:effectRef idx="0">
+            <a:schemeClr val="accent1"/>
+          </a:effectRef>
+          <a:fontRef idx="minor">
+            <a:schemeClr val="lt1"/>
+          </a:fontRef>
+        </p:style>
+        <p:txBody>
+          <a:bodyPr rtlCol="0" anchor="ctr"/>
+          <a:lstStyle/>
+          <a:p>
+            <a:pPr algn="ctr"/>
+            <a:endParaRPr lang="pl-PL"/>
+          </a:p>
+        </p:txBody>
+      </p:sp>
+      <p:sp>
+        <p:nvSpPr>
+          <p:cNvPr id="28" name="Prostokąt 27">
+            <a:extLst>
+              <a:ext uri="{FF2B5EF4-FFF2-40B4-BE49-F238E27FC236}">
+                <a16:creationId xmlns:a16="http://schemas.microsoft.com/office/drawing/2014/main" id="{8BC80DF0-A412-FAF6-4324-3714788986F2}"/>
+              </a:ext>
+            </a:extLst>
+          </p:cNvPr>
+          <p:cNvSpPr/>
+          <p:nvPr/>
+        </p:nvSpPr>
+        <p:spPr>
+          <a:xfrm>
+            <a:off x="2238375" y="3321410"/>
+            <a:ext cx="619125" cy="379058"/>
+          </a:xfrm>
+          <a:prstGeom prst="rect">
+            <a:avLst/>
+          </a:prstGeom>
+          <a:noFill/>
+          <a:ln w="28575">
+            <a:solidFill>
+              <a:schemeClr val="accent2">
+                <a:lumMod val="75000"/>
+              </a:schemeClr>
+            </a:solidFill>
+          </a:ln>
+        </p:spPr>
+        <p:style>
+          <a:lnRef idx="2">
+            <a:schemeClr val="accent1">
+              <a:shade val="15000"/>
+            </a:schemeClr>
+          </a:lnRef>
+          <a:fillRef idx="1">
+            <a:schemeClr val="accent1"/>
+          </a:fillRef>
+          <a:effectRef idx="0">
+            <a:schemeClr val="accent1"/>
+          </a:effectRef>
+          <a:fontRef idx="minor">
+            <a:schemeClr val="lt1"/>
+          </a:fontRef>
+        </p:style>
+        <p:txBody>
+          <a:bodyPr rtlCol="0" anchor="ctr"/>
+          <a:lstStyle/>
+          <a:p>
+            <a:pPr algn="ctr"/>
+            <a:r>
+              <a:rPr lang="pl-PL" dirty="0"/>
+              <a:t>v</a:t>
+            </a:r>
+          </a:p>
+        </p:txBody>
+      </p:sp>
+      <p:sp>
+        <p:nvSpPr>
+          <p:cNvPr id="29" name="Prostokąt 28">
+            <a:extLst>
+              <a:ext uri="{FF2B5EF4-FFF2-40B4-BE49-F238E27FC236}">
+                <a16:creationId xmlns:a16="http://schemas.microsoft.com/office/drawing/2014/main" id="{C5C84558-E087-DBE7-835C-BCC63C556FD9}"/>
+              </a:ext>
+            </a:extLst>
+          </p:cNvPr>
+          <p:cNvSpPr/>
+          <p:nvPr/>
+        </p:nvSpPr>
+        <p:spPr>
+          <a:xfrm>
+            <a:off x="2238375" y="5113639"/>
+            <a:ext cx="619126" cy="210998"/>
+          </a:xfrm>
+          <a:prstGeom prst="rect">
+            <a:avLst/>
+          </a:prstGeom>
+          <a:noFill/>
+          <a:ln w="28575">
+            <a:solidFill>
+              <a:schemeClr val="accent2">
+                <a:lumMod val="75000"/>
+              </a:schemeClr>
+            </a:solidFill>
+          </a:ln>
+        </p:spPr>
+        <p:style>
+          <a:lnRef idx="2">
+            <a:schemeClr val="accent1">
+              <a:shade val="15000"/>
+            </a:schemeClr>
+          </a:lnRef>
+          <a:fillRef idx="1">
+            <a:schemeClr val="accent1"/>
+          </a:fillRef>
+          <a:effectRef idx="0">
+            <a:schemeClr val="accent1"/>
+          </a:effectRef>
+          <a:fontRef idx="minor">
+            <a:schemeClr val="lt1"/>
+          </a:fontRef>
+        </p:style>
+        <p:txBody>
+          <a:bodyPr rtlCol="0" anchor="ctr"/>
+          <a:lstStyle/>
+          <a:p>
+            <a:pPr algn="ctr"/>
+            <a:endParaRPr lang="pl-PL"/>
+          </a:p>
+        </p:txBody>
+      </p:sp>
+      <p:cxnSp>
+        <p:nvCxnSpPr>
+          <p:cNvPr id="33" name="Łącznik prosty ze strzałką 32">
+            <a:extLst>
+              <a:ext uri="{FF2B5EF4-FFF2-40B4-BE49-F238E27FC236}">
+                <a16:creationId xmlns:a16="http://schemas.microsoft.com/office/drawing/2014/main" id="{206CF19D-2B13-BDCC-AAE2-057AFA15455C}"/>
+              </a:ext>
+            </a:extLst>
+          </p:cNvPr>
+          <p:cNvCxnSpPr>
+            <a:cxnSpLocks/>
+          </p:cNvCxnSpPr>
+          <p:nvPr/>
+        </p:nvCxnSpPr>
+        <p:spPr>
+          <a:xfrm flipH="1">
+            <a:off x="5590058" y="5219138"/>
+            <a:ext cx="944092" cy="581263"/>
+          </a:xfrm>
+          <a:prstGeom prst="straightConnector1">
+            <a:avLst/>
+          </a:prstGeom>
+          <a:ln>
+            <a:tailEnd type="triangle"/>
+          </a:ln>
+        </p:spPr>
+        <p:style>
+          <a:lnRef idx="1">
+            <a:schemeClr val="accent1"/>
+          </a:lnRef>
+          <a:fillRef idx="0">
+            <a:schemeClr val="accent1"/>
+          </a:fillRef>
+          <a:effectRef idx="0">
+            <a:schemeClr val="accent1"/>
+          </a:effectRef>
+          <a:fontRef idx="minor">
+            <a:schemeClr val="tx1"/>
+          </a:fontRef>
+        </p:style>
+      </p:cxnSp>
+    </p:spTree>
+    <p:extLst>
+      <p:ext uri="{BB962C8B-B14F-4D97-AF65-F5344CB8AC3E}">
+        <p14:creationId xmlns:p14="http://schemas.microsoft.com/office/powerpoint/2010/main" val="3466620043"/>
+      </p:ext>
+    </p:extLst>
+  </p:cSld>
+  <p:clrMapOvr>
+    <a:masterClrMapping/>
+  </p:clrMapOvr>
+</p:sld>
+</file>
+
+<file path=ppt/slides/slide26.xml><?xml version="1.0" encoding="utf-8"?>
+<p:sld xmlns:a="http://schemas.openxmlformats.org/drawingml/2006/main" xmlns:r="http://schemas.openxmlformats.org/officeDocument/2006/relationships" xmlns:p="http://schemas.openxmlformats.org/presentationml/2006/main">
+  <p:cSld>
+    <p:spTree>
+      <p:nvGrpSpPr>
+        <p:cNvPr id="1" name=""/>
+        <p:cNvGrpSpPr/>
+        <p:nvPr/>
+      </p:nvGrpSpPr>
+      <p:grpSpPr>
+        <a:xfrm>
+          <a:off x="0" y="0"/>
+          <a:ext cx="0" cy="0"/>
+          <a:chOff x="0" y="0"/>
+          <a:chExt cx="0" cy="0"/>
+        </a:xfrm>
+      </p:grpSpPr>
+      <p:pic>
+        <p:nvPicPr>
+          <p:cNvPr id="4" name="Obraz 3">
+            <a:extLst>
+              <a:ext uri="{FF2B5EF4-FFF2-40B4-BE49-F238E27FC236}">
+                <a16:creationId xmlns:a16="http://schemas.microsoft.com/office/drawing/2014/main" id="{57567C6B-8E6C-8197-04BE-90179196A01F}"/>
+              </a:ext>
+            </a:extLst>
+          </p:cNvPr>
+          <p:cNvPicPr>
+            <a:picLocks noChangeAspect="1"/>
+          </p:cNvPicPr>
+          <p:nvPr/>
+        </p:nvPicPr>
+        <p:blipFill>
+          <a:blip r:embed="rId2"/>
+          <a:stretch>
+            <a:fillRect/>
+          </a:stretch>
+        </p:blipFill>
+        <p:spPr>
+          <a:xfrm>
+            <a:off x="2968564" y="3966804"/>
+            <a:ext cx="4696480" cy="504895"/>
+          </a:xfrm>
+          <a:prstGeom prst="rect">
+            <a:avLst/>
+          </a:prstGeom>
+        </p:spPr>
+      </p:pic>
+      <p:pic>
+        <p:nvPicPr>
+          <p:cNvPr id="5" name="Obraz 4">
+            <a:extLst>
+              <a:ext uri="{FF2B5EF4-FFF2-40B4-BE49-F238E27FC236}">
+                <a16:creationId xmlns:a16="http://schemas.microsoft.com/office/drawing/2014/main" id="{401F0185-37CB-45A8-CB5B-8CF9525B45E1}"/>
+              </a:ext>
+            </a:extLst>
+          </p:cNvPr>
+          <p:cNvPicPr>
+            <a:picLocks noChangeAspect="1"/>
+          </p:cNvPicPr>
+          <p:nvPr/>
+        </p:nvPicPr>
+        <p:blipFill>
+          <a:blip r:embed="rId3"/>
+          <a:stretch>
+            <a:fillRect/>
+          </a:stretch>
+        </p:blipFill>
+        <p:spPr>
+          <a:xfrm>
+            <a:off x="3025723" y="3248118"/>
+            <a:ext cx="3429479" cy="495369"/>
+          </a:xfrm>
+          <a:prstGeom prst="rect">
+            <a:avLst/>
+          </a:prstGeom>
+        </p:spPr>
+      </p:pic>
+      <p:sp>
+        <p:nvSpPr>
+          <p:cNvPr id="6" name="pole tekstowe 5">
+            <a:extLst>
+              <a:ext uri="{FF2B5EF4-FFF2-40B4-BE49-F238E27FC236}">
+                <a16:creationId xmlns:a16="http://schemas.microsoft.com/office/drawing/2014/main" id="{CD60CE6B-074C-AC91-9C3E-C4CB2D4A8BC9}"/>
+              </a:ext>
+            </a:extLst>
+          </p:cNvPr>
+          <p:cNvSpPr txBox="1"/>
+          <p:nvPr/>
+        </p:nvSpPr>
+        <p:spPr>
+          <a:xfrm>
+            <a:off x="4329719" y="3332975"/>
+            <a:ext cx="541071" cy="276999"/>
+          </a:xfrm>
+          <a:prstGeom prst="rect">
+            <a:avLst/>
+          </a:prstGeom>
+          <a:noFill/>
+        </p:spPr>
+        <p:txBody>
+          <a:bodyPr wrap="square" rtlCol="0">
+            <a:spAutoFit/>
+          </a:bodyPr>
+          <a:lstStyle/>
+          <a:p>
+            <a:r>
+              <a:rPr lang="pl-PL" sz="1200" b="1" dirty="0">
+                <a:solidFill>
+                  <a:schemeClr val="accent2">
+                    <a:lumMod val="50000"/>
+                  </a:schemeClr>
+                </a:solidFill>
+              </a:rPr>
+              <a:t>MSB</a:t>
+            </a:r>
+          </a:p>
+        </p:txBody>
+      </p:sp>
+      <p:sp>
+        <p:nvSpPr>
+          <p:cNvPr id="7" name="pole tekstowe 6">
+            <a:extLst>
+              <a:ext uri="{FF2B5EF4-FFF2-40B4-BE49-F238E27FC236}">
+                <a16:creationId xmlns:a16="http://schemas.microsoft.com/office/drawing/2014/main" id="{B9B91519-3B86-FBEC-227C-8E6B8CF20C06}"/>
+              </a:ext>
+            </a:extLst>
+          </p:cNvPr>
+          <p:cNvSpPr txBox="1"/>
+          <p:nvPr/>
+        </p:nvSpPr>
+        <p:spPr>
+          <a:xfrm>
+            <a:off x="6037972" y="3993156"/>
+            <a:ext cx="541071" cy="276999"/>
+          </a:xfrm>
+          <a:prstGeom prst="rect">
+            <a:avLst/>
+          </a:prstGeom>
+          <a:noFill/>
+        </p:spPr>
+        <p:txBody>
+          <a:bodyPr wrap="square" rtlCol="0">
+            <a:spAutoFit/>
+          </a:bodyPr>
+          <a:lstStyle/>
+          <a:p>
+            <a:r>
+              <a:rPr lang="pl-PL" sz="1200" b="1" dirty="0">
+                <a:solidFill>
+                  <a:schemeClr val="accent2">
+                    <a:lumMod val="50000"/>
+                  </a:schemeClr>
+                </a:solidFill>
+              </a:rPr>
+              <a:t>MSB</a:t>
+            </a:r>
+          </a:p>
+        </p:txBody>
+      </p:sp>
+      <p:sp>
+        <p:nvSpPr>
+          <p:cNvPr id="8" name="Prostokąt 7">
+            <a:extLst>
+              <a:ext uri="{FF2B5EF4-FFF2-40B4-BE49-F238E27FC236}">
+                <a16:creationId xmlns:a16="http://schemas.microsoft.com/office/drawing/2014/main" id="{20CA7A7F-C760-2AD8-C724-D11392373C10}"/>
+              </a:ext>
+            </a:extLst>
+          </p:cNvPr>
+          <p:cNvSpPr/>
+          <p:nvPr/>
+        </p:nvSpPr>
+        <p:spPr>
+          <a:xfrm>
+            <a:off x="6105524" y="4268005"/>
+            <a:ext cx="349677" cy="203694"/>
+          </a:xfrm>
+          <a:prstGeom prst="rect">
+            <a:avLst/>
+          </a:prstGeom>
+          <a:noFill/>
+          <a:ln w="28575">
+            <a:solidFill>
+              <a:schemeClr val="accent2">
+                <a:lumMod val="75000"/>
+              </a:schemeClr>
+            </a:solidFill>
+          </a:ln>
+        </p:spPr>
+        <p:style>
+          <a:lnRef idx="2">
+            <a:schemeClr val="accent1">
+              <a:shade val="15000"/>
+            </a:schemeClr>
+          </a:lnRef>
+          <a:fillRef idx="1">
+            <a:schemeClr val="accent1"/>
+          </a:fillRef>
+          <a:effectRef idx="0">
+            <a:schemeClr val="accent1"/>
+          </a:effectRef>
+          <a:fontRef idx="minor">
+            <a:schemeClr val="lt1"/>
+          </a:fontRef>
+        </p:style>
+        <p:txBody>
+          <a:bodyPr rtlCol="0" anchor="ctr"/>
+          <a:lstStyle/>
+          <a:p>
+            <a:pPr algn="ctr"/>
+            <a:endParaRPr lang="pl-PL"/>
+          </a:p>
+        </p:txBody>
+      </p:sp>
+      <p:sp>
+        <p:nvSpPr>
+          <p:cNvPr id="9" name="Prostokąt 8">
+            <a:extLst>
+              <a:ext uri="{FF2B5EF4-FFF2-40B4-BE49-F238E27FC236}">
+                <a16:creationId xmlns:a16="http://schemas.microsoft.com/office/drawing/2014/main" id="{3DFD4AA4-55A1-C4B0-F675-223E95A8E329}"/>
+              </a:ext>
+            </a:extLst>
+          </p:cNvPr>
+          <p:cNvSpPr/>
+          <p:nvPr/>
+        </p:nvSpPr>
+        <p:spPr>
+          <a:xfrm>
+            <a:off x="4114800" y="3532489"/>
+            <a:ext cx="619126" cy="210998"/>
+          </a:xfrm>
+          <a:prstGeom prst="rect">
+            <a:avLst/>
+          </a:prstGeom>
+          <a:noFill/>
+          <a:ln w="28575">
+            <a:solidFill>
+              <a:schemeClr val="accent2">
+                <a:lumMod val="75000"/>
+              </a:schemeClr>
+            </a:solidFill>
+          </a:ln>
+        </p:spPr>
+        <p:style>
+          <a:lnRef idx="2">
+            <a:schemeClr val="accent1">
+              <a:shade val="15000"/>
+            </a:schemeClr>
+          </a:lnRef>
+          <a:fillRef idx="1">
+            <a:schemeClr val="accent1"/>
+          </a:fillRef>
+          <a:effectRef idx="0">
+            <a:schemeClr val="accent1"/>
+          </a:effectRef>
+          <a:fontRef idx="minor">
+            <a:schemeClr val="lt1"/>
+          </a:fontRef>
+        </p:style>
+        <p:txBody>
+          <a:bodyPr rtlCol="0" anchor="ctr"/>
+          <a:lstStyle/>
+          <a:p>
+            <a:pPr algn="ctr"/>
+            <a:endParaRPr lang="pl-PL"/>
+          </a:p>
+        </p:txBody>
+      </p:sp>
+      <p:cxnSp>
+        <p:nvCxnSpPr>
+          <p:cNvPr id="10" name="Łącznik prosty ze strzałką 9">
+            <a:extLst>
+              <a:ext uri="{FF2B5EF4-FFF2-40B4-BE49-F238E27FC236}">
+                <a16:creationId xmlns:a16="http://schemas.microsoft.com/office/drawing/2014/main" id="{C1DABBE8-C4A2-B98A-9CC0-3D0E01788CBB}"/>
+              </a:ext>
+            </a:extLst>
+          </p:cNvPr>
+          <p:cNvCxnSpPr>
+            <a:cxnSpLocks/>
+          </p:cNvCxnSpPr>
+          <p:nvPr/>
+        </p:nvCxnSpPr>
+        <p:spPr>
+          <a:xfrm flipH="1">
+            <a:off x="6720952" y="3637988"/>
+            <a:ext cx="944092" cy="581263"/>
+          </a:xfrm>
+          <a:prstGeom prst="straightConnector1">
+            <a:avLst/>
+          </a:prstGeom>
+          <a:ln>
+            <a:tailEnd type="triangle"/>
+          </a:ln>
+        </p:spPr>
+        <p:style>
+          <a:lnRef idx="1">
+            <a:schemeClr val="accent1"/>
+          </a:lnRef>
+          <a:fillRef idx="0">
+            <a:schemeClr val="accent1"/>
+          </a:fillRef>
+          <a:effectRef idx="0">
+            <a:schemeClr val="accent1"/>
+          </a:effectRef>
+          <a:fontRef idx="minor">
+            <a:schemeClr val="tx1"/>
+          </a:fontRef>
+        </p:style>
+      </p:cxnSp>
+      <p:sp>
+        <p:nvSpPr>
+          <p:cNvPr id="11" name="pole tekstowe 10">
+            <a:extLst>
+              <a:ext uri="{FF2B5EF4-FFF2-40B4-BE49-F238E27FC236}">
+                <a16:creationId xmlns:a16="http://schemas.microsoft.com/office/drawing/2014/main" id="{AC05A239-3778-3814-75DC-EE1B8E45A0AB}"/>
+              </a:ext>
+            </a:extLst>
+          </p:cNvPr>
+          <p:cNvSpPr txBox="1"/>
+          <p:nvPr/>
+        </p:nvSpPr>
+        <p:spPr>
+          <a:xfrm>
+            <a:off x="7665044" y="3248118"/>
+            <a:ext cx="1678981" cy="369332"/>
+          </a:xfrm>
+          <a:prstGeom prst="rect">
+            <a:avLst/>
+          </a:prstGeom>
+          <a:noFill/>
+        </p:spPr>
+        <p:txBody>
+          <a:bodyPr wrap="square" rtlCol="0">
+            <a:spAutoFit/>
+          </a:bodyPr>
+          <a:lstStyle/>
+          <a:p>
+            <a:r>
+              <a:rPr lang="pl-PL" dirty="0"/>
+              <a:t>Ile kolumn(1)</a:t>
+            </a:r>
+          </a:p>
+        </p:txBody>
+      </p:sp>
+      <p:cxnSp>
+        <p:nvCxnSpPr>
+          <p:cNvPr id="12" name="Łącznik prosty ze strzałką 11">
+            <a:extLst>
+              <a:ext uri="{FF2B5EF4-FFF2-40B4-BE49-F238E27FC236}">
+                <a16:creationId xmlns:a16="http://schemas.microsoft.com/office/drawing/2014/main" id="{1FD21B44-4346-5EEF-D7B4-81AB5C56527A}"/>
+              </a:ext>
+            </a:extLst>
+          </p:cNvPr>
+          <p:cNvCxnSpPr>
+            <a:cxnSpLocks/>
+          </p:cNvCxnSpPr>
+          <p:nvPr/>
+        </p:nvCxnSpPr>
+        <p:spPr>
+          <a:xfrm flipH="1" flipV="1">
+            <a:off x="7162800" y="4471699"/>
+            <a:ext cx="1405461" cy="718848"/>
+          </a:xfrm>
+          <a:prstGeom prst="straightConnector1">
+            <a:avLst/>
+          </a:prstGeom>
+          <a:ln>
+            <a:tailEnd type="triangle"/>
+          </a:ln>
+        </p:spPr>
+        <p:style>
+          <a:lnRef idx="1">
+            <a:schemeClr val="accent1"/>
+          </a:lnRef>
+          <a:fillRef idx="0">
+            <a:schemeClr val="accent1"/>
+          </a:fillRef>
+          <a:effectRef idx="0">
+            <a:schemeClr val="accent1"/>
+          </a:effectRef>
+          <a:fontRef idx="minor">
+            <a:schemeClr val="tx1"/>
+          </a:fontRef>
+        </p:style>
+      </p:cxnSp>
+      <p:sp>
+        <p:nvSpPr>
+          <p:cNvPr id="13" name="pole tekstowe 12">
+            <a:extLst>
+              <a:ext uri="{FF2B5EF4-FFF2-40B4-BE49-F238E27FC236}">
+                <a16:creationId xmlns:a16="http://schemas.microsoft.com/office/drawing/2014/main" id="{4EF44E5E-7C9B-9F85-56F1-11D0C5FF1DF3}"/>
+              </a:ext>
+            </a:extLst>
+          </p:cNvPr>
+          <p:cNvSpPr txBox="1"/>
+          <p:nvPr/>
+        </p:nvSpPr>
+        <p:spPr>
+          <a:xfrm>
+            <a:off x="8749236" y="5005881"/>
+            <a:ext cx="1678981" cy="369332"/>
+          </a:xfrm>
+          <a:prstGeom prst="rect">
+            <a:avLst/>
+          </a:prstGeom>
+          <a:noFill/>
+        </p:spPr>
+        <p:txBody>
+          <a:bodyPr wrap="square" rtlCol="0">
+            <a:spAutoFit/>
+          </a:bodyPr>
+          <a:lstStyle/>
+          <a:p>
+            <a:r>
+              <a:rPr lang="pl-PL" dirty="0"/>
+              <a:t>Ile wierszy (24)</a:t>
+            </a:r>
+          </a:p>
+        </p:txBody>
+      </p:sp>
+      <p:cxnSp>
+        <p:nvCxnSpPr>
+          <p:cNvPr id="19" name="Łącznik prosty ze strzałką 18">
+            <a:extLst>
+              <a:ext uri="{FF2B5EF4-FFF2-40B4-BE49-F238E27FC236}">
+                <a16:creationId xmlns:a16="http://schemas.microsoft.com/office/drawing/2014/main" id="{023D3AE0-9587-A641-2A80-3777E00B35A8}"/>
+              </a:ext>
+            </a:extLst>
+          </p:cNvPr>
+          <p:cNvCxnSpPr>
+            <a:cxnSpLocks/>
+          </p:cNvCxnSpPr>
+          <p:nvPr/>
+        </p:nvCxnSpPr>
+        <p:spPr>
+          <a:xfrm flipH="1" flipV="1">
+            <a:off x="7732596" y="4301677"/>
+            <a:ext cx="1896375" cy="266976"/>
+          </a:xfrm>
+          <a:prstGeom prst="straightConnector1">
+            <a:avLst/>
+          </a:prstGeom>
+          <a:ln>
+            <a:tailEnd type="triangle"/>
+          </a:ln>
+        </p:spPr>
+        <p:style>
+          <a:lnRef idx="1">
+            <a:schemeClr val="accent1"/>
+          </a:lnRef>
+          <a:fillRef idx="0">
+            <a:schemeClr val="accent1"/>
+          </a:fillRef>
+          <a:effectRef idx="0">
+            <a:schemeClr val="accent1"/>
+          </a:effectRef>
+          <a:fontRef idx="minor">
+            <a:schemeClr val="tx1"/>
+          </a:fontRef>
+        </p:style>
+      </p:cxnSp>
+      <p:sp>
+        <p:nvSpPr>
+          <p:cNvPr id="20" name="pole tekstowe 19">
+            <a:extLst>
+              <a:ext uri="{FF2B5EF4-FFF2-40B4-BE49-F238E27FC236}">
+                <a16:creationId xmlns:a16="http://schemas.microsoft.com/office/drawing/2014/main" id="{DA5A55DC-2E86-EFE7-3B96-43DF976A01D6}"/>
+              </a:ext>
+            </a:extLst>
+          </p:cNvPr>
+          <p:cNvSpPr txBox="1"/>
+          <p:nvPr/>
+        </p:nvSpPr>
+        <p:spPr>
+          <a:xfrm>
+            <a:off x="9696523" y="4417935"/>
+            <a:ext cx="1678981" cy="369332"/>
+          </a:xfrm>
+          <a:prstGeom prst="rect">
+            <a:avLst/>
+          </a:prstGeom>
+          <a:noFill/>
+        </p:spPr>
+        <p:txBody>
+          <a:bodyPr wrap="square" rtlCol="0">
+            <a:spAutoFit/>
+          </a:bodyPr>
+          <a:lstStyle/>
+          <a:p>
+            <a:r>
+              <a:rPr lang="pl-PL" dirty="0"/>
+              <a:t>Jaki stan</a:t>
+            </a:r>
           </a:p>
         </p:txBody>
       </p:sp>
     </p:spTree>
     <p:extLst>
       <p:ext uri="{BB962C8B-B14F-4D97-AF65-F5344CB8AC3E}">
-        <p14:creationId xmlns:p14="http://schemas.microsoft.com/office/powerpoint/2010/main" val="3466620043"/>
+        <p14:creationId xmlns:p14="http://schemas.microsoft.com/office/powerpoint/2010/main" val="2578340312"/>
+      </p:ext>
+    </p:extLst>
+  </p:cSld>
+  <p:clrMapOvr>
+    <a:masterClrMapping/>
+  </p:clrMapOvr>
+</p:sld>
+</file>
+
+<file path=ppt/slides/slide27.xml><?xml version="1.0" encoding="utf-8"?>
+<p:sld xmlns:a="http://schemas.openxmlformats.org/drawingml/2006/main" xmlns:r="http://schemas.openxmlformats.org/officeDocument/2006/relationships" xmlns:p="http://schemas.openxmlformats.org/presentationml/2006/main">
+  <p:cSld>
+    <p:spTree>
+      <p:nvGrpSpPr>
+        <p:cNvPr id="1" name=""/>
+        <p:cNvGrpSpPr/>
+        <p:nvPr/>
+      </p:nvGrpSpPr>
+      <p:grpSpPr>
+        <a:xfrm>
+          <a:off x="0" y="0"/>
+          <a:ext cx="0" cy="0"/>
+          <a:chOff x="0" y="0"/>
+          <a:chExt cx="0" cy="0"/>
+        </a:xfrm>
+      </p:grpSpPr>
+      <p:pic>
+        <p:nvPicPr>
+          <p:cNvPr id="5" name="Symbol zastępczy zawartości 4">
+            <a:extLst>
+              <a:ext uri="{FF2B5EF4-FFF2-40B4-BE49-F238E27FC236}">
+                <a16:creationId xmlns:a16="http://schemas.microsoft.com/office/drawing/2014/main" id="{3DB8B519-9651-343D-B62B-1F3EA1718EAE}"/>
+              </a:ext>
+            </a:extLst>
+          </p:cNvPr>
+          <p:cNvPicPr>
+            <a:picLocks noGrp="1" noChangeAspect="1"/>
+          </p:cNvPicPr>
+          <p:nvPr>
+            <p:ph idx="1"/>
+          </p:nvPr>
+        </p:nvPicPr>
+        <p:blipFill>
+          <a:blip r:embed="rId2"/>
+          <a:stretch>
+            <a:fillRect/>
+          </a:stretch>
+        </p:blipFill>
+        <p:spPr>
+          <a:xfrm>
+            <a:off x="1128285" y="381525"/>
+            <a:ext cx="8928310" cy="5609700"/>
+          </a:xfrm>
+        </p:spPr>
+      </p:pic>
+    </p:spTree>
+    <p:extLst>
+      <p:ext uri="{BB962C8B-B14F-4D97-AF65-F5344CB8AC3E}">
+        <p14:creationId xmlns:p14="http://schemas.microsoft.com/office/powerpoint/2010/main" val="2648700768"/>
+      </p:ext>
+    </p:extLst>
+  </p:cSld>
+  <p:clrMapOvr>
+    <a:masterClrMapping/>
+  </p:clrMapOvr>
+</p:sld>
+</file>
+
+<file path=ppt/slides/slide28.xml><?xml version="1.0" encoding="utf-8"?>
+<p:sld xmlns:a="http://schemas.openxmlformats.org/drawingml/2006/main" xmlns:r="http://schemas.openxmlformats.org/officeDocument/2006/relationships" xmlns:p="http://schemas.openxmlformats.org/presentationml/2006/main">
+  <p:cSld>
+    <p:spTree>
+      <p:nvGrpSpPr>
+        <p:cNvPr id="1" name=""/>
+        <p:cNvGrpSpPr/>
+        <p:nvPr/>
+      </p:nvGrpSpPr>
+      <p:grpSpPr>
+        <a:xfrm>
+          <a:off x="0" y="0"/>
+          <a:ext cx="0" cy="0"/>
+          <a:chOff x="0" y="0"/>
+          <a:chExt cx="0" cy="0"/>
+        </a:xfrm>
+      </p:grpSpPr>
+      <p:pic>
+        <p:nvPicPr>
+          <p:cNvPr id="7" name="Obraz 6">
+            <a:extLst>
+              <a:ext uri="{FF2B5EF4-FFF2-40B4-BE49-F238E27FC236}">
+                <a16:creationId xmlns:a16="http://schemas.microsoft.com/office/drawing/2014/main" id="{1B3ADDC3-78F6-8114-D115-E991FFE6BAB7}"/>
+              </a:ext>
+            </a:extLst>
+          </p:cNvPr>
+          <p:cNvPicPr>
+            <a:picLocks noChangeAspect="1"/>
+          </p:cNvPicPr>
+          <p:nvPr/>
+        </p:nvPicPr>
+        <p:blipFill>
+          <a:blip r:embed="rId2"/>
+          <a:stretch>
+            <a:fillRect/>
+          </a:stretch>
+        </p:blipFill>
+        <p:spPr>
+          <a:xfrm>
+            <a:off x="361950" y="2033376"/>
+            <a:ext cx="10068742" cy="2611324"/>
+          </a:xfrm>
+          <a:prstGeom prst="rect">
+            <a:avLst/>
+          </a:prstGeom>
+        </p:spPr>
+      </p:pic>
+    </p:spTree>
+    <p:extLst>
+      <p:ext uri="{BB962C8B-B14F-4D97-AF65-F5344CB8AC3E}">
+        <p14:creationId xmlns:p14="http://schemas.microsoft.com/office/powerpoint/2010/main" val="2736744860"/>
+      </p:ext>
+    </p:extLst>
+  </p:cSld>
+  <p:clrMapOvr>
+    <a:masterClrMapping/>
+  </p:clrMapOvr>
+</p:sld>
+</file>
+
+<file path=ppt/slides/slide29.xml><?xml version="1.0" encoding="utf-8"?>
+<p:sld xmlns:a="http://schemas.openxmlformats.org/drawingml/2006/main" xmlns:r="http://schemas.openxmlformats.org/officeDocument/2006/relationships" xmlns:p="http://schemas.openxmlformats.org/presentationml/2006/main">
+  <p:cSld>
+    <p:spTree>
+      <p:nvGrpSpPr>
+        <p:cNvPr id="1" name=""/>
+        <p:cNvGrpSpPr/>
+        <p:nvPr/>
+      </p:nvGrpSpPr>
+      <p:grpSpPr>
+        <a:xfrm>
+          <a:off x="0" y="0"/>
+          <a:ext cx="0" cy="0"/>
+          <a:chOff x="0" y="0"/>
+          <a:chExt cx="0" cy="0"/>
+        </a:xfrm>
+      </p:grpSpPr>
+      <p:pic>
+        <p:nvPicPr>
+          <p:cNvPr id="5" name="Symbol zastępczy zawartości 4">
+            <a:extLst>
+              <a:ext uri="{FF2B5EF4-FFF2-40B4-BE49-F238E27FC236}">
+                <a16:creationId xmlns:a16="http://schemas.microsoft.com/office/drawing/2014/main" id="{F1C66153-D68C-4BB9-3A0C-0F6B24FDF0EA}"/>
+              </a:ext>
+            </a:extLst>
+          </p:cNvPr>
+          <p:cNvPicPr>
+            <a:picLocks noGrp="1" noChangeAspect="1"/>
+          </p:cNvPicPr>
+          <p:nvPr>
+            <p:ph idx="1"/>
+          </p:nvPr>
+        </p:nvPicPr>
+        <p:blipFill>
+          <a:blip r:embed="rId2"/>
+          <a:stretch>
+            <a:fillRect/>
+          </a:stretch>
+        </p:blipFill>
+        <p:spPr>
+          <a:xfrm>
+            <a:off x="0" y="1521046"/>
+            <a:ext cx="10515600" cy="2712595"/>
+          </a:xfrm>
+        </p:spPr>
+      </p:pic>
+    </p:spTree>
+    <p:extLst>
+      <p:ext uri="{BB962C8B-B14F-4D97-AF65-F5344CB8AC3E}">
+        <p14:creationId xmlns:p14="http://schemas.microsoft.com/office/powerpoint/2010/main" val="3833633268"/>
       </p:ext>
     </p:extLst>
   </p:cSld>
@@ -14009,6 +15448,860 @@
     <p:extLst>
       <p:ext uri="{BB962C8B-B14F-4D97-AF65-F5344CB8AC3E}">
         <p14:creationId xmlns:p14="http://schemas.microsoft.com/office/powerpoint/2010/main" val="245886605"/>
+      </p:ext>
+    </p:extLst>
+  </p:cSld>
+  <p:clrMapOvr>
+    <a:masterClrMapping/>
+  </p:clrMapOvr>
+</p:sld>
+</file>
+
+<file path=ppt/slides/slide30.xml><?xml version="1.0" encoding="utf-8"?>
+<p:sld xmlns:a="http://schemas.openxmlformats.org/drawingml/2006/main" xmlns:r="http://schemas.openxmlformats.org/officeDocument/2006/relationships" xmlns:p="http://schemas.openxmlformats.org/presentationml/2006/main">
+  <p:cSld>
+    <p:spTree>
+      <p:nvGrpSpPr>
+        <p:cNvPr id="1" name=""/>
+        <p:cNvGrpSpPr/>
+        <p:nvPr/>
+      </p:nvGrpSpPr>
+      <p:grpSpPr>
+        <a:xfrm>
+          <a:off x="0" y="0"/>
+          <a:ext cx="0" cy="0"/>
+          <a:chOff x="0" y="0"/>
+          <a:chExt cx="0" cy="0"/>
+        </a:xfrm>
+      </p:grpSpPr>
+      <p:pic>
+        <p:nvPicPr>
+          <p:cNvPr id="5" name="Symbol zastępczy zawartości 4">
+            <a:extLst>
+              <a:ext uri="{FF2B5EF4-FFF2-40B4-BE49-F238E27FC236}">
+                <a16:creationId xmlns:a16="http://schemas.microsoft.com/office/drawing/2014/main" id="{6C2DA323-5600-295C-2E36-E2BA5F1F6E79}"/>
+              </a:ext>
+            </a:extLst>
+          </p:cNvPr>
+          <p:cNvPicPr>
+            <a:picLocks noGrp="1" noChangeAspect="1"/>
+          </p:cNvPicPr>
+          <p:nvPr>
+            <p:ph idx="1"/>
+          </p:nvPr>
+        </p:nvPicPr>
+        <p:blipFill>
+          <a:blip r:embed="rId2"/>
+          <a:stretch>
+            <a:fillRect/>
+          </a:stretch>
+        </p:blipFill>
+        <p:spPr>
+          <a:xfrm>
+            <a:off x="0" y="2002000"/>
+            <a:ext cx="10515600" cy="2665087"/>
+          </a:xfrm>
+        </p:spPr>
+      </p:pic>
+    </p:spTree>
+    <p:extLst>
+      <p:ext uri="{BB962C8B-B14F-4D97-AF65-F5344CB8AC3E}">
+        <p14:creationId xmlns:p14="http://schemas.microsoft.com/office/powerpoint/2010/main" val="840225275"/>
+      </p:ext>
+    </p:extLst>
+  </p:cSld>
+  <p:clrMapOvr>
+    <a:masterClrMapping/>
+  </p:clrMapOvr>
+</p:sld>
+</file>
+
+<file path=ppt/slides/slide31.xml><?xml version="1.0" encoding="utf-8"?>
+<p:sld xmlns:a="http://schemas.openxmlformats.org/drawingml/2006/main" xmlns:r="http://schemas.openxmlformats.org/officeDocument/2006/relationships" xmlns:p="http://schemas.openxmlformats.org/presentationml/2006/main">
+  <p:cSld>
+    <p:spTree>
+      <p:nvGrpSpPr>
+        <p:cNvPr id="1" name=""/>
+        <p:cNvGrpSpPr/>
+        <p:nvPr/>
+      </p:nvGrpSpPr>
+      <p:grpSpPr>
+        <a:xfrm>
+          <a:off x="0" y="0"/>
+          <a:ext cx="0" cy="0"/>
+          <a:chOff x="0" y="0"/>
+          <a:chExt cx="0" cy="0"/>
+        </a:xfrm>
+      </p:grpSpPr>
+      <p:sp>
+        <p:nvSpPr>
+          <p:cNvPr id="2" name="Tytuł 1">
+            <a:extLst>
+              <a:ext uri="{FF2B5EF4-FFF2-40B4-BE49-F238E27FC236}">
+                <a16:creationId xmlns:a16="http://schemas.microsoft.com/office/drawing/2014/main" id="{3FB00550-71C3-717E-8383-52F80E3E2D0D}"/>
+              </a:ext>
+            </a:extLst>
+          </p:cNvPr>
+          <p:cNvSpPr>
+            <a:spLocks noGrp="1"/>
+          </p:cNvSpPr>
+          <p:nvPr>
+            <p:ph type="title"/>
+          </p:nvPr>
+        </p:nvSpPr>
+        <p:spPr/>
+        <p:txBody>
+          <a:bodyPr>
+            <a:normAutofit fontScale="90000"/>
+          </a:bodyPr>
+          <a:lstStyle/>
+          <a:p>
+            <a:r>
+              <a:rPr lang="pl-PL" dirty="0"/>
+              <a:t>https://www.allaboutcircuits.com/textbook/digital/chpt-12/parallel-in-serial-out-shift-register/</a:t>
+            </a:r>
+          </a:p>
+        </p:txBody>
+      </p:sp>
+      <p:pic>
+        <p:nvPicPr>
+          <p:cNvPr id="5" name="Symbol zastępczy zawartości 4">
+            <a:extLst>
+              <a:ext uri="{FF2B5EF4-FFF2-40B4-BE49-F238E27FC236}">
+                <a16:creationId xmlns:a16="http://schemas.microsoft.com/office/drawing/2014/main" id="{2F017AC1-941B-DA83-35F7-EA86ECB4347D}"/>
+              </a:ext>
+            </a:extLst>
+          </p:cNvPr>
+          <p:cNvPicPr>
+            <a:picLocks noGrp="1" noChangeAspect="1"/>
+          </p:cNvPicPr>
+          <p:nvPr>
+            <p:ph idx="1"/>
+          </p:nvPr>
+        </p:nvPicPr>
+        <p:blipFill>
+          <a:blip r:embed="rId2"/>
+          <a:stretch>
+            <a:fillRect/>
+          </a:stretch>
+        </p:blipFill>
+        <p:spPr>
+          <a:xfrm>
+            <a:off x="2738070" y="2053363"/>
+            <a:ext cx="6547180" cy="2751273"/>
+          </a:xfrm>
+        </p:spPr>
+      </p:pic>
+    </p:spTree>
+    <p:extLst>
+      <p:ext uri="{BB962C8B-B14F-4D97-AF65-F5344CB8AC3E}">
+        <p14:creationId xmlns:p14="http://schemas.microsoft.com/office/powerpoint/2010/main" val="1249947241"/>
+      </p:ext>
+    </p:extLst>
+  </p:cSld>
+  <p:clrMapOvr>
+    <a:masterClrMapping/>
+  </p:clrMapOvr>
+</p:sld>
+</file>
+
+<file path=ppt/slides/slide32.xml><?xml version="1.0" encoding="utf-8"?>
+<p:sld xmlns:a="http://schemas.openxmlformats.org/drawingml/2006/main" xmlns:r="http://schemas.openxmlformats.org/officeDocument/2006/relationships" xmlns:p="http://schemas.openxmlformats.org/presentationml/2006/main">
+  <p:cSld>
+    <p:spTree>
+      <p:nvGrpSpPr>
+        <p:cNvPr id="1" name=""/>
+        <p:cNvGrpSpPr/>
+        <p:nvPr/>
+      </p:nvGrpSpPr>
+      <p:grpSpPr>
+        <a:xfrm>
+          <a:off x="0" y="0"/>
+          <a:ext cx="0" cy="0"/>
+          <a:chOff x="0" y="0"/>
+          <a:chExt cx="0" cy="0"/>
+        </a:xfrm>
+      </p:grpSpPr>
+      <p:pic>
+        <p:nvPicPr>
+          <p:cNvPr id="5" name="Symbol zastępczy zawartości 4" descr="Obraz zawierający tekst, diagram, linia, Plan&#10;&#10;Opis wygenerowany automatycznie">
+            <a:extLst>
+              <a:ext uri="{FF2B5EF4-FFF2-40B4-BE49-F238E27FC236}">
+                <a16:creationId xmlns:a16="http://schemas.microsoft.com/office/drawing/2014/main" id="{472A4CB6-51CF-C2EA-1EC2-C42EC3852808}"/>
+              </a:ext>
+            </a:extLst>
+          </p:cNvPr>
+          <p:cNvPicPr>
+            <a:picLocks noGrp="1" noChangeAspect="1"/>
+          </p:cNvPicPr>
+          <p:nvPr>
+            <p:ph idx="1"/>
+          </p:nvPr>
+        </p:nvPicPr>
+        <p:blipFill>
+          <a:blip r:embed="rId2">
+            <a:extLst>
+              <a:ext uri="{28A0092B-C50C-407E-A947-70E740481C1C}">
+                <a14:useLocalDpi xmlns:a14="http://schemas.microsoft.com/office/drawing/2010/main" val="0"/>
+              </a:ext>
+            </a:extLst>
+          </a:blip>
+          <a:stretch>
+            <a:fillRect/>
+          </a:stretch>
+        </p:blipFill>
+        <p:spPr>
+          <a:xfrm>
+            <a:off x="2535101" y="499744"/>
+            <a:ext cx="6791779" cy="5942807"/>
+          </a:xfrm>
+        </p:spPr>
+      </p:pic>
+    </p:spTree>
+    <p:extLst>
+      <p:ext uri="{BB962C8B-B14F-4D97-AF65-F5344CB8AC3E}">
+        <p14:creationId xmlns:p14="http://schemas.microsoft.com/office/powerpoint/2010/main" val="3851313877"/>
+      </p:ext>
+    </p:extLst>
+  </p:cSld>
+  <p:clrMapOvr>
+    <a:masterClrMapping/>
+  </p:clrMapOvr>
+</p:sld>
+</file>
+
+<file path=ppt/slides/slide33.xml><?xml version="1.0" encoding="utf-8"?>
+<p:sld xmlns:a="http://schemas.openxmlformats.org/drawingml/2006/main" xmlns:r="http://schemas.openxmlformats.org/officeDocument/2006/relationships" xmlns:p="http://schemas.openxmlformats.org/presentationml/2006/main">
+  <p:cSld>
+    <p:spTree>
+      <p:nvGrpSpPr>
+        <p:cNvPr id="1" name=""/>
+        <p:cNvGrpSpPr/>
+        <p:nvPr/>
+      </p:nvGrpSpPr>
+      <p:grpSpPr>
+        <a:xfrm>
+          <a:off x="0" y="0"/>
+          <a:ext cx="0" cy="0"/>
+          <a:chOff x="0" y="0"/>
+          <a:chExt cx="0" cy="0"/>
+        </a:xfrm>
+      </p:grpSpPr>
+      <p:pic>
+        <p:nvPicPr>
+          <p:cNvPr id="5" name="Symbol zastępczy zawartości 4">
+            <a:extLst>
+              <a:ext uri="{FF2B5EF4-FFF2-40B4-BE49-F238E27FC236}">
+                <a16:creationId xmlns:a16="http://schemas.microsoft.com/office/drawing/2014/main" id="{06FFAAF8-6D30-0281-E3A2-C8059D73027F}"/>
+              </a:ext>
+            </a:extLst>
+          </p:cNvPr>
+          <p:cNvPicPr>
+            <a:picLocks noGrp="1" noChangeAspect="1"/>
+          </p:cNvPicPr>
+          <p:nvPr>
+            <p:ph idx="1"/>
+          </p:nvPr>
+        </p:nvPicPr>
+        <p:blipFill>
+          <a:blip r:embed="rId2"/>
+          <a:stretch>
+            <a:fillRect/>
+          </a:stretch>
+        </p:blipFill>
+        <p:spPr>
+          <a:xfrm>
+            <a:off x="1347125" y="3256153"/>
+            <a:ext cx="9497750" cy="3096057"/>
+          </a:xfrm>
+        </p:spPr>
+      </p:pic>
+      <p:pic>
+        <p:nvPicPr>
+          <p:cNvPr id="6" name="Symbol zastępczy zawartości 4">
+            <a:extLst>
+              <a:ext uri="{FF2B5EF4-FFF2-40B4-BE49-F238E27FC236}">
+                <a16:creationId xmlns:a16="http://schemas.microsoft.com/office/drawing/2014/main" id="{8B7C7D20-33F0-D215-BF9A-1BA82A275D83}"/>
+              </a:ext>
+            </a:extLst>
+          </p:cNvPr>
+          <p:cNvPicPr>
+            <a:picLocks noChangeAspect="1"/>
+          </p:cNvPicPr>
+          <p:nvPr/>
+        </p:nvPicPr>
+        <p:blipFill>
+          <a:blip r:embed="rId3"/>
+          <a:stretch>
+            <a:fillRect/>
+          </a:stretch>
+        </p:blipFill>
+        <p:spPr>
+          <a:xfrm>
+            <a:off x="2822410" y="707783"/>
+            <a:ext cx="6547180" cy="2751273"/>
+          </a:xfrm>
+          <a:prstGeom prst="rect">
+            <a:avLst/>
+          </a:prstGeom>
+        </p:spPr>
+      </p:pic>
+    </p:spTree>
+    <p:extLst>
+      <p:ext uri="{BB962C8B-B14F-4D97-AF65-F5344CB8AC3E}">
+        <p14:creationId xmlns:p14="http://schemas.microsoft.com/office/powerpoint/2010/main" val="2091307363"/>
+      </p:ext>
+    </p:extLst>
+  </p:cSld>
+  <p:clrMapOvr>
+    <a:masterClrMapping/>
+  </p:clrMapOvr>
+</p:sld>
+</file>
+
+<file path=ppt/slides/slide34.xml><?xml version="1.0" encoding="utf-8"?>
+<p:sld xmlns:a="http://schemas.openxmlformats.org/drawingml/2006/main" xmlns:r="http://schemas.openxmlformats.org/officeDocument/2006/relationships" xmlns:p="http://schemas.openxmlformats.org/presentationml/2006/main">
+  <p:cSld>
+    <p:spTree>
+      <p:nvGrpSpPr>
+        <p:cNvPr id="1" name=""/>
+        <p:cNvGrpSpPr/>
+        <p:nvPr/>
+      </p:nvGrpSpPr>
+      <p:grpSpPr>
+        <a:xfrm>
+          <a:off x="0" y="0"/>
+          <a:ext cx="0" cy="0"/>
+          <a:chOff x="0" y="0"/>
+          <a:chExt cx="0" cy="0"/>
+        </a:xfrm>
+      </p:grpSpPr>
+      <p:pic>
+        <p:nvPicPr>
+          <p:cNvPr id="5" name="Symbol zastępczy zawartości 4">
+            <a:extLst>
+              <a:ext uri="{FF2B5EF4-FFF2-40B4-BE49-F238E27FC236}">
+                <a16:creationId xmlns:a16="http://schemas.microsoft.com/office/drawing/2014/main" id="{58FEEF41-05A4-E3D7-6480-9BF3D74A2437}"/>
+              </a:ext>
+            </a:extLst>
+          </p:cNvPr>
+          <p:cNvPicPr>
+            <a:picLocks noGrp="1" noChangeAspect="1"/>
+          </p:cNvPicPr>
+          <p:nvPr>
+            <p:ph idx="1"/>
+          </p:nvPr>
+        </p:nvPicPr>
+        <p:blipFill>
+          <a:blip r:embed="rId2"/>
+          <a:stretch>
+            <a:fillRect/>
+          </a:stretch>
+        </p:blipFill>
+        <p:spPr>
+          <a:xfrm>
+            <a:off x="585439" y="3424857"/>
+            <a:ext cx="11144734" cy="3430748"/>
+          </a:xfrm>
+        </p:spPr>
+      </p:pic>
+      <p:pic>
+        <p:nvPicPr>
+          <p:cNvPr id="6" name="Symbol zastępczy zawartości 4">
+            <a:extLst>
+              <a:ext uri="{FF2B5EF4-FFF2-40B4-BE49-F238E27FC236}">
+                <a16:creationId xmlns:a16="http://schemas.microsoft.com/office/drawing/2014/main" id="{6A484B28-3B09-CD92-9E70-10EA1B088A5F}"/>
+              </a:ext>
+            </a:extLst>
+          </p:cNvPr>
+          <p:cNvPicPr>
+            <a:picLocks noChangeAspect="1"/>
+          </p:cNvPicPr>
+          <p:nvPr/>
+        </p:nvPicPr>
+        <p:blipFill>
+          <a:blip r:embed="rId3"/>
+          <a:stretch>
+            <a:fillRect/>
+          </a:stretch>
+        </p:blipFill>
+        <p:spPr>
+          <a:xfrm>
+            <a:off x="2740634" y="492193"/>
+            <a:ext cx="6547180" cy="2751273"/>
+          </a:xfrm>
+          <a:prstGeom prst="rect">
+            <a:avLst/>
+          </a:prstGeom>
+        </p:spPr>
+      </p:pic>
+    </p:spTree>
+    <p:extLst>
+      <p:ext uri="{BB962C8B-B14F-4D97-AF65-F5344CB8AC3E}">
+        <p14:creationId xmlns:p14="http://schemas.microsoft.com/office/powerpoint/2010/main" val="1962768877"/>
+      </p:ext>
+    </p:extLst>
+  </p:cSld>
+  <p:clrMapOvr>
+    <a:masterClrMapping/>
+  </p:clrMapOvr>
+</p:sld>
+</file>
+
+<file path=ppt/slides/slide35.xml><?xml version="1.0" encoding="utf-8"?>
+<p:sld xmlns:a="http://schemas.openxmlformats.org/drawingml/2006/main" xmlns:r="http://schemas.openxmlformats.org/officeDocument/2006/relationships" xmlns:p="http://schemas.openxmlformats.org/presentationml/2006/main">
+  <p:cSld>
+    <p:spTree>
+      <p:nvGrpSpPr>
+        <p:cNvPr id="1" name=""/>
+        <p:cNvGrpSpPr/>
+        <p:nvPr/>
+      </p:nvGrpSpPr>
+      <p:grpSpPr>
+        <a:xfrm>
+          <a:off x="0" y="0"/>
+          <a:ext cx="0" cy="0"/>
+          <a:chOff x="0" y="0"/>
+          <a:chExt cx="0" cy="0"/>
+        </a:xfrm>
+      </p:grpSpPr>
+      <p:pic>
+        <p:nvPicPr>
+          <p:cNvPr id="5" name="Symbol zastępczy zawartości 4">
+            <a:extLst>
+              <a:ext uri="{FF2B5EF4-FFF2-40B4-BE49-F238E27FC236}">
+                <a16:creationId xmlns:a16="http://schemas.microsoft.com/office/drawing/2014/main" id="{01C26541-1066-8BE4-0555-CFC4316A8AE4}"/>
+              </a:ext>
+            </a:extLst>
+          </p:cNvPr>
+          <p:cNvPicPr>
+            <a:picLocks noGrp="1" noChangeAspect="1"/>
+          </p:cNvPicPr>
+          <p:nvPr>
+            <p:ph idx="1"/>
+          </p:nvPr>
+        </p:nvPicPr>
+        <p:blipFill>
+          <a:blip r:embed="rId2"/>
+          <a:stretch>
+            <a:fillRect/>
+          </a:stretch>
+        </p:blipFill>
+        <p:spPr>
+          <a:xfrm>
+            <a:off x="368474" y="373599"/>
+            <a:ext cx="10885638" cy="4258988"/>
+          </a:xfrm>
+        </p:spPr>
+      </p:pic>
+      <p:sp>
+        <p:nvSpPr>
+          <p:cNvPr id="6" name="Prostokąt 5">
+            <a:extLst>
+              <a:ext uri="{FF2B5EF4-FFF2-40B4-BE49-F238E27FC236}">
+                <a16:creationId xmlns:a16="http://schemas.microsoft.com/office/drawing/2014/main" id="{8A85F417-A3D2-3A4D-C102-7A2930BFEAE9}"/>
+              </a:ext>
+            </a:extLst>
+          </p:cNvPr>
+          <p:cNvSpPr/>
+          <p:nvPr/>
+        </p:nvSpPr>
+        <p:spPr>
+          <a:xfrm>
+            <a:off x="3010829" y="2170771"/>
+            <a:ext cx="810322" cy="988742"/>
+          </a:xfrm>
+          <a:prstGeom prst="rect">
+            <a:avLst/>
+          </a:prstGeom>
+          <a:noFill/>
+          <a:ln w="57150">
+            <a:solidFill>
+              <a:srgbClr val="FF0000"/>
+            </a:solidFill>
+          </a:ln>
+        </p:spPr>
+        <p:style>
+          <a:lnRef idx="2">
+            <a:schemeClr val="accent1">
+              <a:shade val="15000"/>
+            </a:schemeClr>
+          </a:lnRef>
+          <a:fillRef idx="1">
+            <a:schemeClr val="accent1"/>
+          </a:fillRef>
+          <a:effectRef idx="0">
+            <a:schemeClr val="accent1"/>
+          </a:effectRef>
+          <a:fontRef idx="minor">
+            <a:schemeClr val="lt1"/>
+          </a:fontRef>
+        </p:style>
+        <p:txBody>
+          <a:bodyPr rtlCol="0" anchor="ctr"/>
+          <a:lstStyle/>
+          <a:p>
+            <a:pPr algn="ctr"/>
+            <a:endParaRPr lang="pl-PL"/>
+          </a:p>
+        </p:txBody>
+      </p:sp>
+      <p:sp>
+        <p:nvSpPr>
+          <p:cNvPr id="7" name="Prostokąt 6">
+            <a:extLst>
+              <a:ext uri="{FF2B5EF4-FFF2-40B4-BE49-F238E27FC236}">
+                <a16:creationId xmlns:a16="http://schemas.microsoft.com/office/drawing/2014/main" id="{676557CF-1B10-21E0-7A06-636E2AC63B20}"/>
+              </a:ext>
+            </a:extLst>
+          </p:cNvPr>
+          <p:cNvSpPr/>
+          <p:nvPr/>
+        </p:nvSpPr>
+        <p:spPr>
+          <a:xfrm>
+            <a:off x="3821151" y="3828585"/>
+            <a:ext cx="1918010" cy="341971"/>
+          </a:xfrm>
+          <a:prstGeom prst="rect">
+            <a:avLst/>
+          </a:prstGeom>
+          <a:noFill/>
+          <a:ln w="57150">
+            <a:solidFill>
+              <a:srgbClr val="FF0000"/>
+            </a:solidFill>
+          </a:ln>
+        </p:spPr>
+        <p:style>
+          <a:lnRef idx="2">
+            <a:schemeClr val="accent1">
+              <a:shade val="15000"/>
+            </a:schemeClr>
+          </a:lnRef>
+          <a:fillRef idx="1">
+            <a:schemeClr val="accent1"/>
+          </a:fillRef>
+          <a:effectRef idx="0">
+            <a:schemeClr val="accent1"/>
+          </a:effectRef>
+          <a:fontRef idx="minor">
+            <a:schemeClr val="lt1"/>
+          </a:fontRef>
+        </p:style>
+        <p:txBody>
+          <a:bodyPr rtlCol="0" anchor="ctr"/>
+          <a:lstStyle/>
+          <a:p>
+            <a:pPr algn="ctr"/>
+            <a:endParaRPr lang="pl-PL"/>
+          </a:p>
+        </p:txBody>
+      </p:sp>
+      <p:sp>
+        <p:nvSpPr>
+          <p:cNvPr id="8" name="pole tekstowe 7">
+            <a:extLst>
+              <a:ext uri="{FF2B5EF4-FFF2-40B4-BE49-F238E27FC236}">
+                <a16:creationId xmlns:a16="http://schemas.microsoft.com/office/drawing/2014/main" id="{684E0D04-29C5-B21F-E911-2AA51174B5E3}"/>
+              </a:ext>
+            </a:extLst>
+          </p:cNvPr>
+          <p:cNvSpPr txBox="1"/>
+          <p:nvPr/>
+        </p:nvSpPr>
+        <p:spPr>
+          <a:xfrm>
+            <a:off x="3256155" y="2064977"/>
+            <a:ext cx="319669" cy="1200329"/>
+          </a:xfrm>
+          <a:prstGeom prst="rect">
+            <a:avLst/>
+          </a:prstGeom>
+          <a:noFill/>
+        </p:spPr>
+        <p:txBody>
+          <a:bodyPr wrap="square" rtlCol="0">
+            <a:spAutoFit/>
+          </a:bodyPr>
+          <a:lstStyle/>
+          <a:p>
+            <a:r>
+              <a:rPr lang="pl-PL" sz="2400" dirty="0">
+                <a:solidFill>
+                  <a:srgbClr val="FF0000"/>
+                </a:solidFill>
+              </a:rPr>
+              <a:t>1</a:t>
+            </a:r>
+          </a:p>
+          <a:p>
+            <a:r>
+              <a:rPr lang="pl-PL" sz="2400" dirty="0">
+                <a:solidFill>
+                  <a:srgbClr val="FF0000"/>
+                </a:solidFill>
+              </a:rPr>
+              <a:t>0</a:t>
+            </a:r>
+          </a:p>
+          <a:p>
+            <a:r>
+              <a:rPr lang="pl-PL" sz="2400" dirty="0">
+                <a:solidFill>
+                  <a:srgbClr val="FF0000"/>
+                </a:solidFill>
+              </a:rPr>
+              <a:t>1</a:t>
+            </a:r>
+          </a:p>
+        </p:txBody>
+      </p:sp>
+      <p:sp>
+        <p:nvSpPr>
+          <p:cNvPr id="9" name="pole tekstowe 8">
+            <a:extLst>
+              <a:ext uri="{FF2B5EF4-FFF2-40B4-BE49-F238E27FC236}">
+                <a16:creationId xmlns:a16="http://schemas.microsoft.com/office/drawing/2014/main" id="{69B8B90D-7FBE-8DE9-AA3A-76ADF4BCC152}"/>
+              </a:ext>
+            </a:extLst>
+          </p:cNvPr>
+          <p:cNvSpPr txBox="1"/>
+          <p:nvPr/>
+        </p:nvSpPr>
+        <p:spPr>
+          <a:xfrm>
+            <a:off x="3984703" y="3768737"/>
+            <a:ext cx="1918010" cy="461665"/>
+          </a:xfrm>
+          <a:prstGeom prst="rect">
+            <a:avLst/>
+          </a:prstGeom>
+          <a:noFill/>
+        </p:spPr>
+        <p:txBody>
+          <a:bodyPr wrap="square" rtlCol="0">
+            <a:spAutoFit/>
+          </a:bodyPr>
+          <a:lstStyle/>
+          <a:p>
+            <a:r>
+              <a:rPr lang="pl-PL" sz="2400" dirty="0">
+                <a:solidFill>
+                  <a:srgbClr val="FF0000"/>
+                </a:solidFill>
+              </a:rPr>
+              <a:t>1       0       1</a:t>
+            </a:r>
+          </a:p>
+        </p:txBody>
+      </p:sp>
+      <p:sp>
+        <p:nvSpPr>
+          <p:cNvPr id="10" name="Prostokąt 9">
+            <a:extLst>
+              <a:ext uri="{FF2B5EF4-FFF2-40B4-BE49-F238E27FC236}">
+                <a16:creationId xmlns:a16="http://schemas.microsoft.com/office/drawing/2014/main" id="{A00162F4-5F57-DE08-5682-60712FB82810}"/>
+              </a:ext>
+            </a:extLst>
+          </p:cNvPr>
+          <p:cNvSpPr/>
+          <p:nvPr/>
+        </p:nvSpPr>
+        <p:spPr>
+          <a:xfrm>
+            <a:off x="6195768" y="2170771"/>
+            <a:ext cx="810322" cy="988742"/>
+          </a:xfrm>
+          <a:prstGeom prst="rect">
+            <a:avLst/>
+          </a:prstGeom>
+          <a:noFill/>
+          <a:ln w="57150">
+            <a:solidFill>
+              <a:srgbClr val="FF0000"/>
+            </a:solidFill>
+          </a:ln>
+        </p:spPr>
+        <p:style>
+          <a:lnRef idx="2">
+            <a:schemeClr val="accent1">
+              <a:shade val="15000"/>
+            </a:schemeClr>
+          </a:lnRef>
+          <a:fillRef idx="1">
+            <a:schemeClr val="accent1"/>
+          </a:fillRef>
+          <a:effectRef idx="0">
+            <a:schemeClr val="accent1"/>
+          </a:effectRef>
+          <a:fontRef idx="minor">
+            <a:schemeClr val="lt1"/>
+          </a:fontRef>
+        </p:style>
+        <p:txBody>
+          <a:bodyPr rtlCol="0" anchor="ctr"/>
+          <a:lstStyle/>
+          <a:p>
+            <a:pPr algn="ctr"/>
+            <a:endParaRPr lang="pl-PL"/>
+          </a:p>
+        </p:txBody>
+      </p:sp>
+      <p:sp>
+        <p:nvSpPr>
+          <p:cNvPr id="11" name="pole tekstowe 10">
+            <a:extLst>
+              <a:ext uri="{FF2B5EF4-FFF2-40B4-BE49-F238E27FC236}">
+                <a16:creationId xmlns:a16="http://schemas.microsoft.com/office/drawing/2014/main" id="{3C0B8D5C-C09F-59B7-6CD1-9760A3B18AF0}"/>
+              </a:ext>
+            </a:extLst>
+          </p:cNvPr>
+          <p:cNvSpPr txBox="1"/>
+          <p:nvPr/>
+        </p:nvSpPr>
+        <p:spPr>
+          <a:xfrm>
+            <a:off x="6441094" y="2064977"/>
+            <a:ext cx="319669" cy="1200329"/>
+          </a:xfrm>
+          <a:prstGeom prst="rect">
+            <a:avLst/>
+          </a:prstGeom>
+          <a:noFill/>
+        </p:spPr>
+        <p:txBody>
+          <a:bodyPr wrap="square" rtlCol="0">
+            <a:spAutoFit/>
+          </a:bodyPr>
+          <a:lstStyle/>
+          <a:p>
+            <a:r>
+              <a:rPr lang="pl-PL" sz="2400" dirty="0">
+                <a:solidFill>
+                  <a:srgbClr val="FF0000"/>
+                </a:solidFill>
+              </a:rPr>
+              <a:t>0</a:t>
+            </a:r>
+          </a:p>
+          <a:p>
+            <a:r>
+              <a:rPr lang="pl-PL" sz="2400" dirty="0">
+                <a:solidFill>
+                  <a:srgbClr val="FF0000"/>
+                </a:solidFill>
+              </a:rPr>
+              <a:t>1</a:t>
+            </a:r>
+          </a:p>
+          <a:p>
+            <a:r>
+              <a:rPr lang="pl-PL" sz="2400" dirty="0">
+                <a:solidFill>
+                  <a:srgbClr val="FF0000"/>
+                </a:solidFill>
+              </a:rPr>
+              <a:t>0</a:t>
+            </a:r>
+          </a:p>
+        </p:txBody>
+      </p:sp>
+      <p:sp>
+        <p:nvSpPr>
+          <p:cNvPr id="12" name="Prostokąt 11">
+            <a:extLst>
+              <a:ext uri="{FF2B5EF4-FFF2-40B4-BE49-F238E27FC236}">
+                <a16:creationId xmlns:a16="http://schemas.microsoft.com/office/drawing/2014/main" id="{C5A0E86C-8F38-2962-F59D-ABCC9912BB4B}"/>
+              </a:ext>
+            </a:extLst>
+          </p:cNvPr>
+          <p:cNvSpPr/>
+          <p:nvPr/>
+        </p:nvSpPr>
+        <p:spPr>
+          <a:xfrm>
+            <a:off x="7006090" y="3828585"/>
+            <a:ext cx="1833110" cy="341972"/>
+          </a:xfrm>
+          <a:prstGeom prst="rect">
+            <a:avLst/>
+          </a:prstGeom>
+          <a:noFill/>
+          <a:ln w="57150">
+            <a:solidFill>
+              <a:srgbClr val="FF0000"/>
+            </a:solidFill>
+          </a:ln>
+        </p:spPr>
+        <p:style>
+          <a:lnRef idx="2">
+            <a:schemeClr val="accent1">
+              <a:shade val="15000"/>
+            </a:schemeClr>
+          </a:lnRef>
+          <a:fillRef idx="1">
+            <a:schemeClr val="accent1"/>
+          </a:fillRef>
+          <a:effectRef idx="0">
+            <a:schemeClr val="accent1"/>
+          </a:effectRef>
+          <a:fontRef idx="minor">
+            <a:schemeClr val="lt1"/>
+          </a:fontRef>
+        </p:style>
+        <p:txBody>
+          <a:bodyPr rtlCol="0" anchor="ctr"/>
+          <a:lstStyle/>
+          <a:p>
+            <a:pPr algn="ctr"/>
+            <a:endParaRPr lang="pl-PL"/>
+          </a:p>
+        </p:txBody>
+      </p:sp>
+      <p:sp>
+        <p:nvSpPr>
+          <p:cNvPr id="13" name="pole tekstowe 12">
+            <a:extLst>
+              <a:ext uri="{FF2B5EF4-FFF2-40B4-BE49-F238E27FC236}">
+                <a16:creationId xmlns:a16="http://schemas.microsoft.com/office/drawing/2014/main" id="{26C88F38-26AE-5F69-DF08-F5DC93D42B5C}"/>
+              </a:ext>
+            </a:extLst>
+          </p:cNvPr>
+          <p:cNvSpPr txBox="1"/>
+          <p:nvPr/>
+        </p:nvSpPr>
+        <p:spPr>
+          <a:xfrm>
+            <a:off x="7069873" y="3783980"/>
+            <a:ext cx="1702420" cy="461665"/>
+          </a:xfrm>
+          <a:prstGeom prst="rect">
+            <a:avLst/>
+          </a:prstGeom>
+          <a:noFill/>
+        </p:spPr>
+        <p:txBody>
+          <a:bodyPr wrap="square" rtlCol="0">
+            <a:spAutoFit/>
+          </a:bodyPr>
+          <a:lstStyle/>
+          <a:p>
+            <a:r>
+              <a:rPr lang="pl-PL" sz="2400" dirty="0">
+                <a:solidFill>
+                  <a:srgbClr val="FF0000"/>
+                </a:solidFill>
+              </a:rPr>
+              <a:t>0        1      0</a:t>
+            </a:r>
+          </a:p>
+        </p:txBody>
+      </p:sp>
+    </p:spTree>
+    <p:extLst>
+      <p:ext uri="{BB962C8B-B14F-4D97-AF65-F5344CB8AC3E}">
+        <p14:creationId xmlns:p14="http://schemas.microsoft.com/office/powerpoint/2010/main" val="1212651501"/>
       </p:ext>
     </p:extLst>
   </p:cSld>
